--- a/resources/class03/recursive-prob-transformation.pptx
+++ b/resources/class03/recursive-prob-transformation.pptx
@@ -8,6 +8,7 @@
     <p:sldId id="256" r:id="rId2"/>
     <p:sldId id="257" r:id="rId3"/>
     <p:sldId id="258" r:id="rId4"/>
+    <p:sldId id="259" r:id="rId5"/>
   </p:sldIdLst>
   <p:sldSz cx="12192000" cy="6858000"/>
   <p:notesSz cx="6858000" cy="9144000"/>
@@ -106,6 +107,11 @@
       </a:defRPr>
     </a:lvl9pPr>
   </p:defaultTextStyle>
+  <p:extLst>
+    <p:ext uri="{EFAFB233-063F-42B5-8137-9DF3F51BA10A}">
+      <p15:sldGuideLst xmlns:p15="http://schemas.microsoft.com/office/powerpoint/2012/main"/>
+    </p:ext>
+  </p:extLst>
 </p:presentation>
 </file>
 
@@ -8844,8 +8850,8 @@
             <a:chExt cx="2416680" cy="1328760"/>
           </a:xfrm>
         </p:grpSpPr>
-        <mc:AlternateContent xmlns:mc="http://schemas.openxmlformats.org/markup-compatibility/2006">
-          <mc:Choice xmlns:p14="http://schemas.microsoft.com/office/powerpoint/2010/main" Requires="p14">
+        <mc:AlternateContent xmlns:mc="http://schemas.openxmlformats.org/markup-compatibility/2006" xmlns:p14="http://schemas.microsoft.com/office/powerpoint/2010/main">
+          <mc:Choice Requires="p14">
             <p:contentPart p14:bwMode="auto" r:id="rId2">
               <p14:nvContentPartPr>
                 <p14:cNvPr id="16" name="Ink 15">
@@ -8864,7 +8870,7 @@
               </p14:xfrm>
             </p:contentPart>
           </mc:Choice>
-          <mc:Fallback>
+          <mc:Fallback xmlns="">
             <p:pic>
               <p:nvPicPr>
                 <p:cNvPr id="16" name="Ink 15">
@@ -8895,8 +8901,8 @@
             </p:pic>
           </mc:Fallback>
         </mc:AlternateContent>
-        <mc:AlternateContent xmlns:mc="http://schemas.openxmlformats.org/markup-compatibility/2006">
-          <mc:Choice xmlns:p14="http://schemas.microsoft.com/office/powerpoint/2010/main" Requires="p14">
+        <mc:AlternateContent xmlns:mc="http://schemas.openxmlformats.org/markup-compatibility/2006" xmlns:p14="http://schemas.microsoft.com/office/powerpoint/2010/main">
+          <mc:Choice Requires="p14">
             <p:contentPart p14:bwMode="auto" r:id="rId4">
               <p14:nvContentPartPr>
                 <p14:cNvPr id="17" name="Ink 16">
@@ -8915,7 +8921,7 @@
               </p14:xfrm>
             </p:contentPart>
           </mc:Choice>
-          <mc:Fallback>
+          <mc:Fallback xmlns="">
             <p:pic>
               <p:nvPicPr>
                 <p:cNvPr id="17" name="Ink 16">
@@ -8946,8 +8952,8 @@
             </p:pic>
           </mc:Fallback>
         </mc:AlternateContent>
-        <mc:AlternateContent xmlns:mc="http://schemas.openxmlformats.org/markup-compatibility/2006">
-          <mc:Choice xmlns:p14="http://schemas.microsoft.com/office/powerpoint/2010/main" Requires="p14">
+        <mc:AlternateContent xmlns:mc="http://schemas.openxmlformats.org/markup-compatibility/2006" xmlns:p14="http://schemas.microsoft.com/office/powerpoint/2010/main">
+          <mc:Choice Requires="p14">
             <p:contentPart p14:bwMode="auto" r:id="rId6">
               <p14:nvContentPartPr>
                 <p14:cNvPr id="20" name="Ink 19">
@@ -8966,7 +8972,7 @@
               </p14:xfrm>
             </p:contentPart>
           </mc:Choice>
-          <mc:Fallback>
+          <mc:Fallback xmlns="">
             <p:pic>
               <p:nvPicPr>
                 <p:cNvPr id="20" name="Ink 19">
@@ -8997,8 +9003,8 @@
             </p:pic>
           </mc:Fallback>
         </mc:AlternateContent>
-        <mc:AlternateContent xmlns:mc="http://schemas.openxmlformats.org/markup-compatibility/2006">
-          <mc:Choice xmlns:p14="http://schemas.microsoft.com/office/powerpoint/2010/main" Requires="p14">
+        <mc:AlternateContent xmlns:mc="http://schemas.openxmlformats.org/markup-compatibility/2006" xmlns:p14="http://schemas.microsoft.com/office/powerpoint/2010/main">
+          <mc:Choice Requires="p14">
             <p:contentPart p14:bwMode="auto" r:id="rId8">
               <p14:nvContentPartPr>
                 <p14:cNvPr id="4" name="Ink 3">
@@ -9017,7 +9023,7 @@
               </p14:xfrm>
             </p:contentPart>
           </mc:Choice>
-          <mc:Fallback>
+          <mc:Fallback xmlns="">
             <p:pic>
               <p:nvPicPr>
                 <p:cNvPr id="4" name="Ink 3">
@@ -9048,8 +9054,8 @@
             </p:pic>
           </mc:Fallback>
         </mc:AlternateContent>
-        <mc:AlternateContent xmlns:mc="http://schemas.openxmlformats.org/markup-compatibility/2006">
-          <mc:Choice xmlns:p14="http://schemas.microsoft.com/office/powerpoint/2010/main" Requires="p14">
+        <mc:AlternateContent xmlns:mc="http://schemas.openxmlformats.org/markup-compatibility/2006" xmlns:p14="http://schemas.microsoft.com/office/powerpoint/2010/main">
+          <mc:Choice Requires="p14">
             <p:contentPart p14:bwMode="auto" r:id="rId10">
               <p14:nvContentPartPr>
                 <p14:cNvPr id="5" name="Ink 4">
@@ -9068,7 +9074,7 @@
               </p14:xfrm>
             </p:contentPart>
           </mc:Choice>
-          <mc:Fallback>
+          <mc:Fallback xmlns="">
             <p:pic>
               <p:nvPicPr>
                 <p:cNvPr id="5" name="Ink 4">
@@ -9099,8 +9105,8 @@
             </p:pic>
           </mc:Fallback>
         </mc:AlternateContent>
-        <mc:AlternateContent xmlns:mc="http://schemas.openxmlformats.org/markup-compatibility/2006">
-          <mc:Choice xmlns:p14="http://schemas.microsoft.com/office/powerpoint/2010/main" Requires="p14">
+        <mc:AlternateContent xmlns:mc="http://schemas.openxmlformats.org/markup-compatibility/2006" xmlns:p14="http://schemas.microsoft.com/office/powerpoint/2010/main">
+          <mc:Choice Requires="p14">
             <p:contentPart p14:bwMode="auto" r:id="rId12">
               <p14:nvContentPartPr>
                 <p14:cNvPr id="6" name="Ink 5">
@@ -9119,7 +9125,7 @@
               </p14:xfrm>
             </p:contentPart>
           </mc:Choice>
-          <mc:Fallback>
+          <mc:Fallback xmlns="">
             <p:pic>
               <p:nvPicPr>
                 <p:cNvPr id="6" name="Ink 5">
@@ -9150,8 +9156,8 @@
             </p:pic>
           </mc:Fallback>
         </mc:AlternateContent>
-        <mc:AlternateContent xmlns:mc="http://schemas.openxmlformats.org/markup-compatibility/2006">
-          <mc:Choice xmlns:p14="http://schemas.microsoft.com/office/powerpoint/2010/main" Requires="p14">
+        <mc:AlternateContent xmlns:mc="http://schemas.openxmlformats.org/markup-compatibility/2006" xmlns:p14="http://schemas.microsoft.com/office/powerpoint/2010/main">
+          <mc:Choice Requires="p14">
             <p:contentPart p14:bwMode="auto" r:id="rId14">
               <p14:nvContentPartPr>
                 <p14:cNvPr id="7" name="Ink 6">
@@ -9170,7 +9176,7 @@
               </p14:xfrm>
             </p:contentPart>
           </mc:Choice>
-          <mc:Fallback>
+          <mc:Fallback xmlns="">
             <p:pic>
               <p:nvPicPr>
                 <p:cNvPr id="7" name="Ink 6">
@@ -9201,8 +9207,8 @@
             </p:pic>
           </mc:Fallback>
         </mc:AlternateContent>
-        <mc:AlternateContent xmlns:mc="http://schemas.openxmlformats.org/markup-compatibility/2006">
-          <mc:Choice xmlns:p14="http://schemas.microsoft.com/office/powerpoint/2010/main" Requires="p14">
+        <mc:AlternateContent xmlns:mc="http://schemas.openxmlformats.org/markup-compatibility/2006" xmlns:p14="http://schemas.microsoft.com/office/powerpoint/2010/main">
+          <mc:Choice Requires="p14">
             <p:contentPart p14:bwMode="auto" r:id="rId16">
               <p14:nvContentPartPr>
                 <p14:cNvPr id="8" name="Ink 7">
@@ -9221,7 +9227,7 @@
               </p14:xfrm>
             </p:contentPart>
           </mc:Choice>
-          <mc:Fallback>
+          <mc:Fallback xmlns="">
             <p:pic>
               <p:nvPicPr>
                 <p:cNvPr id="8" name="Ink 7">
@@ -9252,8 +9258,8 @@
             </p:pic>
           </mc:Fallback>
         </mc:AlternateContent>
-        <mc:AlternateContent xmlns:mc="http://schemas.openxmlformats.org/markup-compatibility/2006">
-          <mc:Choice xmlns:p14="http://schemas.microsoft.com/office/powerpoint/2010/main" Requires="p14">
+        <mc:AlternateContent xmlns:mc="http://schemas.openxmlformats.org/markup-compatibility/2006" xmlns:p14="http://schemas.microsoft.com/office/powerpoint/2010/main">
+          <mc:Choice Requires="p14">
             <p:contentPart p14:bwMode="auto" r:id="rId18">
               <p14:nvContentPartPr>
                 <p14:cNvPr id="9" name="Ink 8">
@@ -9272,7 +9278,7 @@
               </p14:xfrm>
             </p:contentPart>
           </mc:Choice>
-          <mc:Fallback>
+          <mc:Fallback xmlns="">
             <p:pic>
               <p:nvPicPr>
                 <p:cNvPr id="9" name="Ink 8">
@@ -9303,8 +9309,8 @@
             </p:pic>
           </mc:Fallback>
         </mc:AlternateContent>
-        <mc:AlternateContent xmlns:mc="http://schemas.openxmlformats.org/markup-compatibility/2006">
-          <mc:Choice xmlns:p14="http://schemas.microsoft.com/office/powerpoint/2010/main" Requires="p14">
+        <mc:AlternateContent xmlns:mc="http://schemas.openxmlformats.org/markup-compatibility/2006" xmlns:p14="http://schemas.microsoft.com/office/powerpoint/2010/main">
+          <mc:Choice Requires="p14">
             <p:contentPart p14:bwMode="auto" r:id="rId20">
               <p14:nvContentPartPr>
                 <p14:cNvPr id="10" name="Ink 9">
@@ -9323,7 +9329,7 @@
               </p14:xfrm>
             </p:contentPart>
           </mc:Choice>
-          <mc:Fallback>
+          <mc:Fallback xmlns="">
             <p:pic>
               <p:nvPicPr>
                 <p:cNvPr id="10" name="Ink 9">
@@ -9354,8 +9360,8 @@
             </p:pic>
           </mc:Fallback>
         </mc:AlternateContent>
-        <mc:AlternateContent xmlns:mc="http://schemas.openxmlformats.org/markup-compatibility/2006">
-          <mc:Choice xmlns:p14="http://schemas.microsoft.com/office/powerpoint/2010/main" Requires="p14">
+        <mc:AlternateContent xmlns:mc="http://schemas.openxmlformats.org/markup-compatibility/2006" xmlns:p14="http://schemas.microsoft.com/office/powerpoint/2010/main">
+          <mc:Choice Requires="p14">
             <p:contentPart p14:bwMode="auto" r:id="rId22">
               <p14:nvContentPartPr>
                 <p14:cNvPr id="12" name="Ink 11">
@@ -9374,7 +9380,7 @@
               </p14:xfrm>
             </p:contentPart>
           </mc:Choice>
-          <mc:Fallback>
+          <mc:Fallback xmlns="">
             <p:pic>
               <p:nvPicPr>
                 <p:cNvPr id="12" name="Ink 11">
@@ -9405,8 +9411,8 @@
             </p:pic>
           </mc:Fallback>
         </mc:AlternateContent>
-        <mc:AlternateContent xmlns:mc="http://schemas.openxmlformats.org/markup-compatibility/2006">
-          <mc:Choice xmlns:p14="http://schemas.microsoft.com/office/powerpoint/2010/main" Requires="p14">
+        <mc:AlternateContent xmlns:mc="http://schemas.openxmlformats.org/markup-compatibility/2006" xmlns:p14="http://schemas.microsoft.com/office/powerpoint/2010/main">
+          <mc:Choice Requires="p14">
             <p:contentPart p14:bwMode="auto" r:id="rId24">
               <p14:nvContentPartPr>
                 <p14:cNvPr id="13" name="Ink 12">
@@ -9425,7 +9431,7 @@
               </p14:xfrm>
             </p:contentPart>
           </mc:Choice>
-          <mc:Fallback>
+          <mc:Fallback xmlns="">
             <p:pic>
               <p:nvPicPr>
                 <p:cNvPr id="13" name="Ink 12">
@@ -9456,8 +9462,8 @@
             </p:pic>
           </mc:Fallback>
         </mc:AlternateContent>
-        <mc:AlternateContent xmlns:mc="http://schemas.openxmlformats.org/markup-compatibility/2006">
-          <mc:Choice xmlns:p14="http://schemas.microsoft.com/office/powerpoint/2010/main" Requires="p14">
+        <mc:AlternateContent xmlns:mc="http://schemas.openxmlformats.org/markup-compatibility/2006" xmlns:p14="http://schemas.microsoft.com/office/powerpoint/2010/main">
+          <mc:Choice Requires="p14">
             <p:contentPart p14:bwMode="auto" r:id="rId26">
               <p14:nvContentPartPr>
                 <p14:cNvPr id="14" name="Ink 13">
@@ -9476,7 +9482,7 @@
               </p14:xfrm>
             </p:contentPart>
           </mc:Choice>
-          <mc:Fallback>
+          <mc:Fallback xmlns="">
             <p:pic>
               <p:nvPicPr>
                 <p:cNvPr id="14" name="Ink 13">
@@ -9507,8 +9513,8 @@
             </p:pic>
           </mc:Fallback>
         </mc:AlternateContent>
-        <mc:AlternateContent xmlns:mc="http://schemas.openxmlformats.org/markup-compatibility/2006">
-          <mc:Choice xmlns:p14="http://schemas.microsoft.com/office/powerpoint/2010/main" Requires="p14">
+        <mc:AlternateContent xmlns:mc="http://schemas.openxmlformats.org/markup-compatibility/2006" xmlns:p14="http://schemas.microsoft.com/office/powerpoint/2010/main">
+          <mc:Choice Requires="p14">
             <p:contentPart p14:bwMode="auto" r:id="rId28">
               <p14:nvContentPartPr>
                 <p14:cNvPr id="15" name="Ink 14">
@@ -9527,7 +9533,7 @@
               </p14:xfrm>
             </p:contentPart>
           </mc:Choice>
-          <mc:Fallback>
+          <mc:Fallback xmlns="">
             <p:pic>
               <p:nvPicPr>
                 <p:cNvPr id="15" name="Ink 14">
@@ -9558,8 +9564,8 @@
             </p:pic>
           </mc:Fallback>
         </mc:AlternateContent>
-        <mc:AlternateContent xmlns:mc="http://schemas.openxmlformats.org/markup-compatibility/2006">
-          <mc:Choice xmlns:p14="http://schemas.microsoft.com/office/powerpoint/2010/main" Requires="p14">
+        <mc:AlternateContent xmlns:mc="http://schemas.openxmlformats.org/markup-compatibility/2006" xmlns:p14="http://schemas.microsoft.com/office/powerpoint/2010/main">
+          <mc:Choice Requires="p14">
             <p:contentPart p14:bwMode="auto" r:id="rId30">
               <p14:nvContentPartPr>
                 <p14:cNvPr id="21" name="Ink 20">
@@ -9578,7 +9584,7 @@
               </p14:xfrm>
             </p:contentPart>
           </mc:Choice>
-          <mc:Fallback>
+          <mc:Fallback xmlns="">
             <p:pic>
               <p:nvPicPr>
                 <p:cNvPr id="21" name="Ink 20">
@@ -9609,8 +9615,8 @@
             </p:pic>
           </mc:Fallback>
         </mc:AlternateContent>
-        <mc:AlternateContent xmlns:mc="http://schemas.openxmlformats.org/markup-compatibility/2006">
-          <mc:Choice xmlns:p14="http://schemas.microsoft.com/office/powerpoint/2010/main" Requires="p14">
+        <mc:AlternateContent xmlns:mc="http://schemas.openxmlformats.org/markup-compatibility/2006" xmlns:p14="http://schemas.microsoft.com/office/powerpoint/2010/main">
+          <mc:Choice Requires="p14">
             <p:contentPart p14:bwMode="auto" r:id="rId32">
               <p14:nvContentPartPr>
                 <p14:cNvPr id="22" name="Ink 21">
@@ -9629,7 +9635,7 @@
               </p14:xfrm>
             </p:contentPart>
           </mc:Choice>
-          <mc:Fallback>
+          <mc:Fallback xmlns="">
             <p:pic>
               <p:nvPicPr>
                 <p:cNvPr id="22" name="Ink 21">
@@ -9660,8 +9666,8 @@
             </p:pic>
           </mc:Fallback>
         </mc:AlternateContent>
-        <mc:AlternateContent xmlns:mc="http://schemas.openxmlformats.org/markup-compatibility/2006">
-          <mc:Choice xmlns:p14="http://schemas.microsoft.com/office/powerpoint/2010/main" Requires="p14">
+        <mc:AlternateContent xmlns:mc="http://schemas.openxmlformats.org/markup-compatibility/2006" xmlns:p14="http://schemas.microsoft.com/office/powerpoint/2010/main">
+          <mc:Choice Requires="p14">
             <p:contentPart p14:bwMode="auto" r:id="rId34">
               <p14:nvContentPartPr>
                 <p14:cNvPr id="23" name="Ink 22">
@@ -9680,7 +9686,7 @@
               </p14:xfrm>
             </p:contentPart>
           </mc:Choice>
-          <mc:Fallback>
+          <mc:Fallback xmlns="">
             <p:pic>
               <p:nvPicPr>
                 <p:cNvPr id="23" name="Ink 22">
@@ -9711,8 +9717,8 @@
             </p:pic>
           </mc:Fallback>
         </mc:AlternateContent>
-        <mc:AlternateContent xmlns:mc="http://schemas.openxmlformats.org/markup-compatibility/2006">
-          <mc:Choice xmlns:p14="http://schemas.microsoft.com/office/powerpoint/2010/main" Requires="p14">
+        <mc:AlternateContent xmlns:mc="http://schemas.openxmlformats.org/markup-compatibility/2006" xmlns:p14="http://schemas.microsoft.com/office/powerpoint/2010/main">
+          <mc:Choice Requires="p14">
             <p:contentPart p14:bwMode="auto" r:id="rId36">
               <p14:nvContentPartPr>
                 <p14:cNvPr id="24" name="Ink 23">
@@ -9731,7 +9737,7 @@
               </p14:xfrm>
             </p:contentPart>
           </mc:Choice>
-          <mc:Fallback>
+          <mc:Fallback xmlns="">
             <p:pic>
               <p:nvPicPr>
                 <p:cNvPr id="24" name="Ink 23">
@@ -9762,8 +9768,8 @@
             </p:pic>
           </mc:Fallback>
         </mc:AlternateContent>
-        <mc:AlternateContent xmlns:mc="http://schemas.openxmlformats.org/markup-compatibility/2006">
-          <mc:Choice xmlns:p14="http://schemas.microsoft.com/office/powerpoint/2010/main" Requires="p14">
+        <mc:AlternateContent xmlns:mc="http://schemas.openxmlformats.org/markup-compatibility/2006" xmlns:p14="http://schemas.microsoft.com/office/powerpoint/2010/main">
+          <mc:Choice Requires="p14">
             <p:contentPart p14:bwMode="auto" r:id="rId38">
               <p14:nvContentPartPr>
                 <p14:cNvPr id="27" name="Ink 26">
@@ -9782,7 +9788,7 @@
               </p14:xfrm>
             </p:contentPart>
           </mc:Choice>
-          <mc:Fallback>
+          <mc:Fallback xmlns="">
             <p:pic>
               <p:nvPicPr>
                 <p:cNvPr id="27" name="Ink 26">
@@ -9813,8 +9819,8 @@
             </p:pic>
           </mc:Fallback>
         </mc:AlternateContent>
-        <mc:AlternateContent xmlns:mc="http://schemas.openxmlformats.org/markup-compatibility/2006">
-          <mc:Choice xmlns:p14="http://schemas.microsoft.com/office/powerpoint/2010/main" Requires="p14">
+        <mc:AlternateContent xmlns:mc="http://schemas.openxmlformats.org/markup-compatibility/2006" xmlns:p14="http://schemas.microsoft.com/office/powerpoint/2010/main">
+          <mc:Choice Requires="p14">
             <p:contentPart p14:bwMode="auto" r:id="rId40">
               <p14:nvContentPartPr>
                 <p14:cNvPr id="28" name="Ink 27">
@@ -9833,7 +9839,7 @@
               </p14:xfrm>
             </p:contentPart>
           </mc:Choice>
-          <mc:Fallback>
+          <mc:Fallback xmlns="">
             <p:pic>
               <p:nvPicPr>
                 <p:cNvPr id="28" name="Ink 27">
@@ -9864,8 +9870,8 @@
             </p:pic>
           </mc:Fallback>
         </mc:AlternateContent>
-        <mc:AlternateContent xmlns:mc="http://schemas.openxmlformats.org/markup-compatibility/2006">
-          <mc:Choice xmlns:p14="http://schemas.microsoft.com/office/powerpoint/2010/main" Requires="p14">
+        <mc:AlternateContent xmlns:mc="http://schemas.openxmlformats.org/markup-compatibility/2006" xmlns:p14="http://schemas.microsoft.com/office/powerpoint/2010/main">
+          <mc:Choice Requires="p14">
             <p:contentPart p14:bwMode="auto" r:id="rId42">
               <p14:nvContentPartPr>
                 <p14:cNvPr id="29" name="Ink 28">
@@ -9884,7 +9890,7 @@
               </p14:xfrm>
             </p:contentPart>
           </mc:Choice>
-          <mc:Fallback>
+          <mc:Fallback xmlns="">
             <p:pic>
               <p:nvPicPr>
                 <p:cNvPr id="29" name="Ink 28">
@@ -9915,8 +9921,8 @@
             </p:pic>
           </mc:Fallback>
         </mc:AlternateContent>
-        <mc:AlternateContent xmlns:mc="http://schemas.openxmlformats.org/markup-compatibility/2006">
-          <mc:Choice xmlns:p14="http://schemas.microsoft.com/office/powerpoint/2010/main" Requires="p14">
+        <mc:AlternateContent xmlns:mc="http://schemas.openxmlformats.org/markup-compatibility/2006" xmlns:p14="http://schemas.microsoft.com/office/powerpoint/2010/main">
+          <mc:Choice Requires="p14">
             <p:contentPart p14:bwMode="auto" r:id="rId44">
               <p14:nvContentPartPr>
                 <p14:cNvPr id="30" name="Ink 29">
@@ -9935,7 +9941,7 @@
               </p14:xfrm>
             </p:contentPart>
           </mc:Choice>
-          <mc:Fallback>
+          <mc:Fallback xmlns="">
             <p:pic>
               <p:nvPicPr>
                 <p:cNvPr id="30" name="Ink 29">
@@ -9966,8 +9972,8 @@
             </p:pic>
           </mc:Fallback>
         </mc:AlternateContent>
-        <mc:AlternateContent xmlns:mc="http://schemas.openxmlformats.org/markup-compatibility/2006">
-          <mc:Choice xmlns:p14="http://schemas.microsoft.com/office/powerpoint/2010/main" Requires="p14">
+        <mc:AlternateContent xmlns:mc="http://schemas.openxmlformats.org/markup-compatibility/2006" xmlns:p14="http://schemas.microsoft.com/office/powerpoint/2010/main">
+          <mc:Choice Requires="p14">
             <p:contentPart p14:bwMode="auto" r:id="rId46">
               <p14:nvContentPartPr>
                 <p14:cNvPr id="31" name="Ink 30">
@@ -9986,7 +9992,7 @@
               </p14:xfrm>
             </p:contentPart>
           </mc:Choice>
-          <mc:Fallback>
+          <mc:Fallback xmlns="">
             <p:pic>
               <p:nvPicPr>
                 <p:cNvPr id="31" name="Ink 30">
@@ -10017,8 +10023,8 @@
             </p:pic>
           </mc:Fallback>
         </mc:AlternateContent>
-        <mc:AlternateContent xmlns:mc="http://schemas.openxmlformats.org/markup-compatibility/2006">
-          <mc:Choice xmlns:p14="http://schemas.microsoft.com/office/powerpoint/2010/main" Requires="p14">
+        <mc:AlternateContent xmlns:mc="http://schemas.openxmlformats.org/markup-compatibility/2006" xmlns:p14="http://schemas.microsoft.com/office/powerpoint/2010/main">
+          <mc:Choice Requires="p14">
             <p:contentPart p14:bwMode="auto" r:id="rId48">
               <p14:nvContentPartPr>
                 <p14:cNvPr id="32" name="Ink 31">
@@ -10037,7 +10043,7 @@
               </p14:xfrm>
             </p:contentPart>
           </mc:Choice>
-          <mc:Fallback>
+          <mc:Fallback xmlns="">
             <p:pic>
               <p:nvPicPr>
                 <p:cNvPr id="32" name="Ink 31">
@@ -10068,8 +10074,8 @@
             </p:pic>
           </mc:Fallback>
         </mc:AlternateContent>
-        <mc:AlternateContent xmlns:mc="http://schemas.openxmlformats.org/markup-compatibility/2006">
-          <mc:Choice xmlns:p14="http://schemas.microsoft.com/office/powerpoint/2010/main" Requires="p14">
+        <mc:AlternateContent xmlns:mc="http://schemas.openxmlformats.org/markup-compatibility/2006" xmlns:p14="http://schemas.microsoft.com/office/powerpoint/2010/main">
+          <mc:Choice Requires="p14">
             <p:contentPart p14:bwMode="auto" r:id="rId50">
               <p14:nvContentPartPr>
                 <p14:cNvPr id="33" name="Ink 32">
@@ -10088,7 +10094,7 @@
               </p14:xfrm>
             </p:contentPart>
           </mc:Choice>
-          <mc:Fallback>
+          <mc:Fallback xmlns="">
             <p:pic>
               <p:nvPicPr>
                 <p:cNvPr id="33" name="Ink 32">
@@ -10119,8 +10125,8 @@
             </p:pic>
           </mc:Fallback>
         </mc:AlternateContent>
-        <mc:AlternateContent xmlns:mc="http://schemas.openxmlformats.org/markup-compatibility/2006">
-          <mc:Choice xmlns:p14="http://schemas.microsoft.com/office/powerpoint/2010/main" Requires="p14">
+        <mc:AlternateContent xmlns:mc="http://schemas.openxmlformats.org/markup-compatibility/2006" xmlns:p14="http://schemas.microsoft.com/office/powerpoint/2010/main">
+          <mc:Choice Requires="p14">
             <p:contentPart p14:bwMode="auto" r:id="rId52">
               <p14:nvContentPartPr>
                 <p14:cNvPr id="34" name="Ink 33">
@@ -10139,7 +10145,7 @@
               </p14:xfrm>
             </p:contentPart>
           </mc:Choice>
-          <mc:Fallback>
+          <mc:Fallback xmlns="">
             <p:pic>
               <p:nvPicPr>
                 <p:cNvPr id="34" name="Ink 33">
@@ -10170,8 +10176,8 @@
             </p:pic>
           </mc:Fallback>
         </mc:AlternateContent>
-        <mc:AlternateContent xmlns:mc="http://schemas.openxmlformats.org/markup-compatibility/2006">
-          <mc:Choice xmlns:p14="http://schemas.microsoft.com/office/powerpoint/2010/main" Requires="p14">
+        <mc:AlternateContent xmlns:mc="http://schemas.openxmlformats.org/markup-compatibility/2006" xmlns:p14="http://schemas.microsoft.com/office/powerpoint/2010/main">
+          <mc:Choice Requires="p14">
             <p:contentPart p14:bwMode="auto" r:id="rId54">
               <p14:nvContentPartPr>
                 <p14:cNvPr id="35" name="Ink 34">
@@ -10190,7 +10196,7 @@
               </p14:xfrm>
             </p:contentPart>
           </mc:Choice>
-          <mc:Fallback>
+          <mc:Fallback xmlns="">
             <p:pic>
               <p:nvPicPr>
                 <p:cNvPr id="35" name="Ink 34">
@@ -10221,8 +10227,8 @@
             </p:pic>
           </mc:Fallback>
         </mc:AlternateContent>
-        <mc:AlternateContent xmlns:mc="http://schemas.openxmlformats.org/markup-compatibility/2006">
-          <mc:Choice xmlns:p14="http://schemas.microsoft.com/office/powerpoint/2010/main" Requires="p14">
+        <mc:AlternateContent xmlns:mc="http://schemas.openxmlformats.org/markup-compatibility/2006" xmlns:p14="http://schemas.microsoft.com/office/powerpoint/2010/main">
+          <mc:Choice Requires="p14">
             <p:contentPart p14:bwMode="auto" r:id="rId56">
               <p14:nvContentPartPr>
                 <p14:cNvPr id="36" name="Ink 35">
@@ -10241,7 +10247,7 @@
               </p14:xfrm>
             </p:contentPart>
           </mc:Choice>
-          <mc:Fallback>
+          <mc:Fallback xmlns="">
             <p:pic>
               <p:nvPicPr>
                 <p:cNvPr id="36" name="Ink 35">
@@ -10272,8 +10278,8 @@
             </p:pic>
           </mc:Fallback>
         </mc:AlternateContent>
-        <mc:AlternateContent xmlns:mc="http://schemas.openxmlformats.org/markup-compatibility/2006">
-          <mc:Choice xmlns:p14="http://schemas.microsoft.com/office/powerpoint/2010/main" Requires="p14">
+        <mc:AlternateContent xmlns:mc="http://schemas.openxmlformats.org/markup-compatibility/2006" xmlns:p14="http://schemas.microsoft.com/office/powerpoint/2010/main">
+          <mc:Choice Requires="p14">
             <p:contentPart p14:bwMode="auto" r:id="rId58">
               <p14:nvContentPartPr>
                 <p14:cNvPr id="37" name="Ink 36">
@@ -10292,7 +10298,7 @@
               </p14:xfrm>
             </p:contentPart>
           </mc:Choice>
-          <mc:Fallback>
+          <mc:Fallback xmlns="">
             <p:pic>
               <p:nvPicPr>
                 <p:cNvPr id="37" name="Ink 36">
@@ -10323,8 +10329,8 @@
             </p:pic>
           </mc:Fallback>
         </mc:AlternateContent>
-        <mc:AlternateContent xmlns:mc="http://schemas.openxmlformats.org/markup-compatibility/2006">
-          <mc:Choice xmlns:p14="http://schemas.microsoft.com/office/powerpoint/2010/main" Requires="p14">
+        <mc:AlternateContent xmlns:mc="http://schemas.openxmlformats.org/markup-compatibility/2006" xmlns:p14="http://schemas.microsoft.com/office/powerpoint/2010/main">
+          <mc:Choice Requires="p14">
             <p:contentPart p14:bwMode="auto" r:id="rId60">
               <p14:nvContentPartPr>
                 <p14:cNvPr id="38" name="Ink 37">
@@ -10343,7 +10349,7 @@
               </p14:xfrm>
             </p:contentPart>
           </mc:Choice>
-          <mc:Fallback>
+          <mc:Fallback xmlns="">
             <p:pic>
               <p:nvPicPr>
                 <p:cNvPr id="38" name="Ink 37">
@@ -10374,8 +10380,8 @@
             </p:pic>
           </mc:Fallback>
         </mc:AlternateContent>
-        <mc:AlternateContent xmlns:mc="http://schemas.openxmlformats.org/markup-compatibility/2006">
-          <mc:Choice xmlns:p14="http://schemas.microsoft.com/office/powerpoint/2010/main" Requires="p14">
+        <mc:AlternateContent xmlns:mc="http://schemas.openxmlformats.org/markup-compatibility/2006" xmlns:p14="http://schemas.microsoft.com/office/powerpoint/2010/main">
+          <mc:Choice Requires="p14">
             <p:contentPart p14:bwMode="auto" r:id="rId62">
               <p14:nvContentPartPr>
                 <p14:cNvPr id="39" name="Ink 38">
@@ -10394,7 +10400,7 @@
               </p14:xfrm>
             </p:contentPart>
           </mc:Choice>
-          <mc:Fallback>
+          <mc:Fallback xmlns="">
             <p:pic>
               <p:nvPicPr>
                 <p:cNvPr id="39" name="Ink 38">
@@ -10446,8 +10452,8 @@
             <a:chExt cx="3663000" cy="1389960"/>
           </a:xfrm>
         </p:grpSpPr>
-        <mc:AlternateContent xmlns:mc="http://schemas.openxmlformats.org/markup-compatibility/2006">
-          <mc:Choice xmlns:p14="http://schemas.microsoft.com/office/powerpoint/2010/main" Requires="p14">
+        <mc:AlternateContent xmlns:mc="http://schemas.openxmlformats.org/markup-compatibility/2006" xmlns:p14="http://schemas.microsoft.com/office/powerpoint/2010/main">
+          <mc:Choice Requires="p14">
             <p:contentPart p14:bwMode="auto" r:id="rId64">
               <p14:nvContentPartPr>
                 <p14:cNvPr id="40" name="Ink 39">
@@ -10466,7 +10472,7 @@
               </p14:xfrm>
             </p:contentPart>
           </mc:Choice>
-          <mc:Fallback>
+          <mc:Fallback xmlns="">
             <p:pic>
               <p:nvPicPr>
                 <p:cNvPr id="40" name="Ink 39">
@@ -10497,8 +10503,8 @@
             </p:pic>
           </mc:Fallback>
         </mc:AlternateContent>
-        <mc:AlternateContent xmlns:mc="http://schemas.openxmlformats.org/markup-compatibility/2006">
-          <mc:Choice xmlns:p14="http://schemas.microsoft.com/office/powerpoint/2010/main" Requires="p14">
+        <mc:AlternateContent xmlns:mc="http://schemas.openxmlformats.org/markup-compatibility/2006" xmlns:p14="http://schemas.microsoft.com/office/powerpoint/2010/main">
+          <mc:Choice Requires="p14">
             <p:contentPart p14:bwMode="auto" r:id="rId66">
               <p14:nvContentPartPr>
                 <p14:cNvPr id="41" name="Ink 40">
@@ -10517,7 +10523,7 @@
               </p14:xfrm>
             </p:contentPart>
           </mc:Choice>
-          <mc:Fallback>
+          <mc:Fallback xmlns="">
             <p:pic>
               <p:nvPicPr>
                 <p:cNvPr id="41" name="Ink 40">
@@ -10548,8 +10554,8 @@
             </p:pic>
           </mc:Fallback>
         </mc:AlternateContent>
-        <mc:AlternateContent xmlns:mc="http://schemas.openxmlformats.org/markup-compatibility/2006">
-          <mc:Choice xmlns:p14="http://schemas.microsoft.com/office/powerpoint/2010/main" Requires="p14">
+        <mc:AlternateContent xmlns:mc="http://schemas.openxmlformats.org/markup-compatibility/2006" xmlns:p14="http://schemas.microsoft.com/office/powerpoint/2010/main">
+          <mc:Choice Requires="p14">
             <p:contentPart p14:bwMode="auto" r:id="rId68">
               <p14:nvContentPartPr>
                 <p14:cNvPr id="42" name="Ink 41">
@@ -10568,7 +10574,7 @@
               </p14:xfrm>
             </p:contentPart>
           </mc:Choice>
-          <mc:Fallback>
+          <mc:Fallback xmlns="">
             <p:pic>
               <p:nvPicPr>
                 <p:cNvPr id="42" name="Ink 41">
@@ -10599,8 +10605,8 @@
             </p:pic>
           </mc:Fallback>
         </mc:AlternateContent>
-        <mc:AlternateContent xmlns:mc="http://schemas.openxmlformats.org/markup-compatibility/2006">
-          <mc:Choice xmlns:p14="http://schemas.microsoft.com/office/powerpoint/2010/main" Requires="p14">
+        <mc:AlternateContent xmlns:mc="http://schemas.openxmlformats.org/markup-compatibility/2006" xmlns:p14="http://schemas.microsoft.com/office/powerpoint/2010/main">
+          <mc:Choice Requires="p14">
             <p:contentPart p14:bwMode="auto" r:id="rId70">
               <p14:nvContentPartPr>
                 <p14:cNvPr id="43" name="Ink 42">
@@ -10619,7 +10625,7 @@
               </p14:xfrm>
             </p:contentPart>
           </mc:Choice>
-          <mc:Fallback>
+          <mc:Fallback xmlns="">
             <p:pic>
               <p:nvPicPr>
                 <p:cNvPr id="43" name="Ink 42">
@@ -10650,8 +10656,8 @@
             </p:pic>
           </mc:Fallback>
         </mc:AlternateContent>
-        <mc:AlternateContent xmlns:mc="http://schemas.openxmlformats.org/markup-compatibility/2006">
-          <mc:Choice xmlns:p14="http://schemas.microsoft.com/office/powerpoint/2010/main" Requires="p14">
+        <mc:AlternateContent xmlns:mc="http://schemas.openxmlformats.org/markup-compatibility/2006" xmlns:p14="http://schemas.microsoft.com/office/powerpoint/2010/main">
+          <mc:Choice Requires="p14">
             <p:contentPart p14:bwMode="auto" r:id="rId72">
               <p14:nvContentPartPr>
                 <p14:cNvPr id="44" name="Ink 43">
@@ -10670,7 +10676,7 @@
               </p14:xfrm>
             </p:contentPart>
           </mc:Choice>
-          <mc:Fallback>
+          <mc:Fallback xmlns="">
             <p:pic>
               <p:nvPicPr>
                 <p:cNvPr id="44" name="Ink 43">
@@ -10701,8 +10707,8 @@
             </p:pic>
           </mc:Fallback>
         </mc:AlternateContent>
-        <mc:AlternateContent xmlns:mc="http://schemas.openxmlformats.org/markup-compatibility/2006">
-          <mc:Choice xmlns:p14="http://schemas.microsoft.com/office/powerpoint/2010/main" Requires="p14">
+        <mc:AlternateContent xmlns:mc="http://schemas.openxmlformats.org/markup-compatibility/2006" xmlns:p14="http://schemas.microsoft.com/office/powerpoint/2010/main">
+          <mc:Choice Requires="p14">
             <p:contentPart p14:bwMode="auto" r:id="rId74">
               <p14:nvContentPartPr>
                 <p14:cNvPr id="45" name="Ink 44">
@@ -10721,7 +10727,7 @@
               </p14:xfrm>
             </p:contentPart>
           </mc:Choice>
-          <mc:Fallback>
+          <mc:Fallback xmlns="">
             <p:pic>
               <p:nvPicPr>
                 <p:cNvPr id="45" name="Ink 44">
@@ -10752,8 +10758,8 @@
             </p:pic>
           </mc:Fallback>
         </mc:AlternateContent>
-        <mc:AlternateContent xmlns:mc="http://schemas.openxmlformats.org/markup-compatibility/2006">
-          <mc:Choice xmlns:p14="http://schemas.microsoft.com/office/powerpoint/2010/main" Requires="p14">
+        <mc:AlternateContent xmlns:mc="http://schemas.openxmlformats.org/markup-compatibility/2006" xmlns:p14="http://schemas.microsoft.com/office/powerpoint/2010/main">
+          <mc:Choice Requires="p14">
             <p:contentPart p14:bwMode="auto" r:id="rId76">
               <p14:nvContentPartPr>
                 <p14:cNvPr id="46" name="Ink 45">
@@ -10772,7 +10778,7 @@
               </p14:xfrm>
             </p:contentPart>
           </mc:Choice>
-          <mc:Fallback>
+          <mc:Fallback xmlns="">
             <p:pic>
               <p:nvPicPr>
                 <p:cNvPr id="46" name="Ink 45">
@@ -10803,8 +10809,8 @@
             </p:pic>
           </mc:Fallback>
         </mc:AlternateContent>
-        <mc:AlternateContent xmlns:mc="http://schemas.openxmlformats.org/markup-compatibility/2006">
-          <mc:Choice xmlns:p14="http://schemas.microsoft.com/office/powerpoint/2010/main" Requires="p14">
+        <mc:AlternateContent xmlns:mc="http://schemas.openxmlformats.org/markup-compatibility/2006" xmlns:p14="http://schemas.microsoft.com/office/powerpoint/2010/main">
+          <mc:Choice Requires="p14">
             <p:contentPart p14:bwMode="auto" r:id="rId78">
               <p14:nvContentPartPr>
                 <p14:cNvPr id="47" name="Ink 46">
@@ -10823,7 +10829,7 @@
               </p14:xfrm>
             </p:contentPart>
           </mc:Choice>
-          <mc:Fallback>
+          <mc:Fallback xmlns="">
             <p:pic>
               <p:nvPicPr>
                 <p:cNvPr id="47" name="Ink 46">
@@ -10854,8 +10860,8 @@
             </p:pic>
           </mc:Fallback>
         </mc:AlternateContent>
-        <mc:AlternateContent xmlns:mc="http://schemas.openxmlformats.org/markup-compatibility/2006">
-          <mc:Choice xmlns:p14="http://schemas.microsoft.com/office/powerpoint/2010/main" Requires="p14">
+        <mc:AlternateContent xmlns:mc="http://schemas.openxmlformats.org/markup-compatibility/2006" xmlns:p14="http://schemas.microsoft.com/office/powerpoint/2010/main">
+          <mc:Choice Requires="p14">
             <p:contentPart p14:bwMode="auto" r:id="rId80">
               <p14:nvContentPartPr>
                 <p14:cNvPr id="48" name="Ink 47">
@@ -10874,7 +10880,7 @@
               </p14:xfrm>
             </p:contentPart>
           </mc:Choice>
-          <mc:Fallback>
+          <mc:Fallback xmlns="">
             <p:pic>
               <p:nvPicPr>
                 <p:cNvPr id="48" name="Ink 47">
@@ -10905,8 +10911,8 @@
             </p:pic>
           </mc:Fallback>
         </mc:AlternateContent>
-        <mc:AlternateContent xmlns:mc="http://schemas.openxmlformats.org/markup-compatibility/2006">
-          <mc:Choice xmlns:p14="http://schemas.microsoft.com/office/powerpoint/2010/main" Requires="p14">
+        <mc:AlternateContent xmlns:mc="http://schemas.openxmlformats.org/markup-compatibility/2006" xmlns:p14="http://schemas.microsoft.com/office/powerpoint/2010/main">
+          <mc:Choice Requires="p14">
             <p:contentPart p14:bwMode="auto" r:id="rId82">
               <p14:nvContentPartPr>
                 <p14:cNvPr id="49" name="Ink 48">
@@ -10925,7 +10931,7 @@
               </p14:xfrm>
             </p:contentPart>
           </mc:Choice>
-          <mc:Fallback>
+          <mc:Fallback xmlns="">
             <p:pic>
               <p:nvPicPr>
                 <p:cNvPr id="49" name="Ink 48">
@@ -10956,8 +10962,8 @@
             </p:pic>
           </mc:Fallback>
         </mc:AlternateContent>
-        <mc:AlternateContent xmlns:mc="http://schemas.openxmlformats.org/markup-compatibility/2006">
-          <mc:Choice xmlns:p14="http://schemas.microsoft.com/office/powerpoint/2010/main" Requires="p14">
+        <mc:AlternateContent xmlns:mc="http://schemas.openxmlformats.org/markup-compatibility/2006" xmlns:p14="http://schemas.microsoft.com/office/powerpoint/2010/main">
+          <mc:Choice Requires="p14">
             <p:contentPart p14:bwMode="auto" r:id="rId84">
               <p14:nvContentPartPr>
                 <p14:cNvPr id="50" name="Ink 49">
@@ -10976,7 +10982,7 @@
               </p14:xfrm>
             </p:contentPart>
           </mc:Choice>
-          <mc:Fallback>
+          <mc:Fallback xmlns="">
             <p:pic>
               <p:nvPicPr>
                 <p:cNvPr id="50" name="Ink 49">
@@ -11007,8 +11013,8 @@
             </p:pic>
           </mc:Fallback>
         </mc:AlternateContent>
-        <mc:AlternateContent xmlns:mc="http://schemas.openxmlformats.org/markup-compatibility/2006">
-          <mc:Choice xmlns:p14="http://schemas.microsoft.com/office/powerpoint/2010/main" Requires="p14">
+        <mc:AlternateContent xmlns:mc="http://schemas.openxmlformats.org/markup-compatibility/2006" xmlns:p14="http://schemas.microsoft.com/office/powerpoint/2010/main">
+          <mc:Choice Requires="p14">
             <p:contentPart p14:bwMode="auto" r:id="rId86">
               <p14:nvContentPartPr>
                 <p14:cNvPr id="54" name="Ink 53">
@@ -11027,7 +11033,7 @@
               </p14:xfrm>
             </p:contentPart>
           </mc:Choice>
-          <mc:Fallback>
+          <mc:Fallback xmlns="">
             <p:pic>
               <p:nvPicPr>
                 <p:cNvPr id="54" name="Ink 53">
@@ -11058,8 +11064,8 @@
             </p:pic>
           </mc:Fallback>
         </mc:AlternateContent>
-        <mc:AlternateContent xmlns:mc="http://schemas.openxmlformats.org/markup-compatibility/2006">
-          <mc:Choice xmlns:p14="http://schemas.microsoft.com/office/powerpoint/2010/main" Requires="p14">
+        <mc:AlternateContent xmlns:mc="http://schemas.openxmlformats.org/markup-compatibility/2006" xmlns:p14="http://schemas.microsoft.com/office/powerpoint/2010/main">
+          <mc:Choice Requires="p14">
             <p:contentPart p14:bwMode="auto" r:id="rId88">
               <p14:nvContentPartPr>
                 <p14:cNvPr id="55" name="Ink 54">
@@ -11078,7 +11084,7 @@
               </p14:xfrm>
             </p:contentPart>
           </mc:Choice>
-          <mc:Fallback>
+          <mc:Fallback xmlns="">
             <p:pic>
               <p:nvPicPr>
                 <p:cNvPr id="55" name="Ink 54">
@@ -11109,8 +11115,8 @@
             </p:pic>
           </mc:Fallback>
         </mc:AlternateContent>
-        <mc:AlternateContent xmlns:mc="http://schemas.openxmlformats.org/markup-compatibility/2006">
-          <mc:Choice xmlns:p14="http://schemas.microsoft.com/office/powerpoint/2010/main" Requires="p14">
+        <mc:AlternateContent xmlns:mc="http://schemas.openxmlformats.org/markup-compatibility/2006" xmlns:p14="http://schemas.microsoft.com/office/powerpoint/2010/main">
+          <mc:Choice Requires="p14">
             <p:contentPart p14:bwMode="auto" r:id="rId90">
               <p14:nvContentPartPr>
                 <p14:cNvPr id="56" name="Ink 55">
@@ -11129,7 +11135,7 @@
               </p14:xfrm>
             </p:contentPart>
           </mc:Choice>
-          <mc:Fallback>
+          <mc:Fallback xmlns="">
             <p:pic>
               <p:nvPicPr>
                 <p:cNvPr id="56" name="Ink 55">
@@ -11160,8 +11166,8 @@
             </p:pic>
           </mc:Fallback>
         </mc:AlternateContent>
-        <mc:AlternateContent xmlns:mc="http://schemas.openxmlformats.org/markup-compatibility/2006">
-          <mc:Choice xmlns:p14="http://schemas.microsoft.com/office/powerpoint/2010/main" Requires="p14">
+        <mc:AlternateContent xmlns:mc="http://schemas.openxmlformats.org/markup-compatibility/2006" xmlns:p14="http://schemas.microsoft.com/office/powerpoint/2010/main">
+          <mc:Choice Requires="p14">
             <p:contentPart p14:bwMode="auto" r:id="rId92">
               <p14:nvContentPartPr>
                 <p14:cNvPr id="57" name="Ink 56">
@@ -11180,7 +11186,7 @@
               </p14:xfrm>
             </p:contentPart>
           </mc:Choice>
-          <mc:Fallback>
+          <mc:Fallback xmlns="">
             <p:pic>
               <p:nvPicPr>
                 <p:cNvPr id="57" name="Ink 56">
@@ -11211,8 +11217,8 @@
             </p:pic>
           </mc:Fallback>
         </mc:AlternateContent>
-        <mc:AlternateContent xmlns:mc="http://schemas.openxmlformats.org/markup-compatibility/2006">
-          <mc:Choice xmlns:p14="http://schemas.microsoft.com/office/powerpoint/2010/main" Requires="p14">
+        <mc:AlternateContent xmlns:mc="http://schemas.openxmlformats.org/markup-compatibility/2006" xmlns:p14="http://schemas.microsoft.com/office/powerpoint/2010/main">
+          <mc:Choice Requires="p14">
             <p:contentPart p14:bwMode="auto" r:id="rId94">
               <p14:nvContentPartPr>
                 <p14:cNvPr id="58" name="Ink 57">
@@ -11231,7 +11237,7 @@
               </p14:xfrm>
             </p:contentPart>
           </mc:Choice>
-          <mc:Fallback>
+          <mc:Fallback xmlns="">
             <p:pic>
               <p:nvPicPr>
                 <p:cNvPr id="58" name="Ink 57">
@@ -11262,8 +11268,8 @@
             </p:pic>
           </mc:Fallback>
         </mc:AlternateContent>
-        <mc:AlternateContent xmlns:mc="http://schemas.openxmlformats.org/markup-compatibility/2006">
-          <mc:Choice xmlns:p14="http://schemas.microsoft.com/office/powerpoint/2010/main" Requires="p14">
+        <mc:AlternateContent xmlns:mc="http://schemas.openxmlformats.org/markup-compatibility/2006" xmlns:p14="http://schemas.microsoft.com/office/powerpoint/2010/main">
+          <mc:Choice Requires="p14">
             <p:contentPart p14:bwMode="auto" r:id="rId96">
               <p14:nvContentPartPr>
                 <p14:cNvPr id="59" name="Ink 58">
@@ -11282,7 +11288,7 @@
               </p14:xfrm>
             </p:contentPart>
           </mc:Choice>
-          <mc:Fallback>
+          <mc:Fallback xmlns="">
             <p:pic>
               <p:nvPicPr>
                 <p:cNvPr id="59" name="Ink 58">
@@ -11313,8 +11319,8 @@
             </p:pic>
           </mc:Fallback>
         </mc:AlternateContent>
-        <mc:AlternateContent xmlns:mc="http://schemas.openxmlformats.org/markup-compatibility/2006">
-          <mc:Choice xmlns:p14="http://schemas.microsoft.com/office/powerpoint/2010/main" Requires="p14">
+        <mc:AlternateContent xmlns:mc="http://schemas.openxmlformats.org/markup-compatibility/2006" xmlns:p14="http://schemas.microsoft.com/office/powerpoint/2010/main">
+          <mc:Choice Requires="p14">
             <p:contentPart p14:bwMode="auto" r:id="rId98">
               <p14:nvContentPartPr>
                 <p14:cNvPr id="61" name="Ink 60">
@@ -11333,7 +11339,7 @@
               </p14:xfrm>
             </p:contentPart>
           </mc:Choice>
-          <mc:Fallback>
+          <mc:Fallback xmlns="">
             <p:pic>
               <p:nvPicPr>
                 <p:cNvPr id="61" name="Ink 60">
@@ -11364,8 +11370,8 @@
             </p:pic>
           </mc:Fallback>
         </mc:AlternateContent>
-        <mc:AlternateContent xmlns:mc="http://schemas.openxmlformats.org/markup-compatibility/2006">
-          <mc:Choice xmlns:p14="http://schemas.microsoft.com/office/powerpoint/2010/main" Requires="p14">
+        <mc:AlternateContent xmlns:mc="http://schemas.openxmlformats.org/markup-compatibility/2006" xmlns:p14="http://schemas.microsoft.com/office/powerpoint/2010/main">
+          <mc:Choice Requires="p14">
             <p:contentPart p14:bwMode="auto" r:id="rId100">
               <p14:nvContentPartPr>
                 <p14:cNvPr id="62" name="Ink 61">
@@ -11384,7 +11390,7 @@
               </p14:xfrm>
             </p:contentPart>
           </mc:Choice>
-          <mc:Fallback>
+          <mc:Fallback xmlns="">
             <p:pic>
               <p:nvPicPr>
                 <p:cNvPr id="62" name="Ink 61">
@@ -11415,8 +11421,8 @@
             </p:pic>
           </mc:Fallback>
         </mc:AlternateContent>
-        <mc:AlternateContent xmlns:mc="http://schemas.openxmlformats.org/markup-compatibility/2006">
-          <mc:Choice xmlns:p14="http://schemas.microsoft.com/office/powerpoint/2010/main" Requires="p14">
+        <mc:AlternateContent xmlns:mc="http://schemas.openxmlformats.org/markup-compatibility/2006" xmlns:p14="http://schemas.microsoft.com/office/powerpoint/2010/main">
+          <mc:Choice Requires="p14">
             <p:contentPart p14:bwMode="auto" r:id="rId102">
               <p14:nvContentPartPr>
                 <p14:cNvPr id="63" name="Ink 62">
@@ -11435,7 +11441,7 @@
               </p14:xfrm>
             </p:contentPart>
           </mc:Choice>
-          <mc:Fallback>
+          <mc:Fallback xmlns="">
             <p:pic>
               <p:nvPicPr>
                 <p:cNvPr id="63" name="Ink 62">
@@ -11466,8 +11472,8 @@
             </p:pic>
           </mc:Fallback>
         </mc:AlternateContent>
-        <mc:AlternateContent xmlns:mc="http://schemas.openxmlformats.org/markup-compatibility/2006">
-          <mc:Choice xmlns:p14="http://schemas.microsoft.com/office/powerpoint/2010/main" Requires="p14">
+        <mc:AlternateContent xmlns:mc="http://schemas.openxmlformats.org/markup-compatibility/2006" xmlns:p14="http://schemas.microsoft.com/office/powerpoint/2010/main">
+          <mc:Choice Requires="p14">
             <p:contentPart p14:bwMode="auto" r:id="rId104">
               <p14:nvContentPartPr>
                 <p14:cNvPr id="64" name="Ink 63">
@@ -11486,7 +11492,7 @@
               </p14:xfrm>
             </p:contentPart>
           </mc:Choice>
-          <mc:Fallback>
+          <mc:Fallback xmlns="">
             <p:pic>
               <p:nvPicPr>
                 <p:cNvPr id="64" name="Ink 63">
@@ -11517,8 +11523,8 @@
             </p:pic>
           </mc:Fallback>
         </mc:AlternateContent>
-        <mc:AlternateContent xmlns:mc="http://schemas.openxmlformats.org/markup-compatibility/2006">
-          <mc:Choice xmlns:p14="http://schemas.microsoft.com/office/powerpoint/2010/main" Requires="p14">
+        <mc:AlternateContent xmlns:mc="http://schemas.openxmlformats.org/markup-compatibility/2006" xmlns:p14="http://schemas.microsoft.com/office/powerpoint/2010/main">
+          <mc:Choice Requires="p14">
             <p:contentPart p14:bwMode="auto" r:id="rId106">
               <p14:nvContentPartPr>
                 <p14:cNvPr id="65" name="Ink 64">
@@ -11537,7 +11543,7 @@
               </p14:xfrm>
             </p:contentPart>
           </mc:Choice>
-          <mc:Fallback>
+          <mc:Fallback xmlns="">
             <p:pic>
               <p:nvPicPr>
                 <p:cNvPr id="65" name="Ink 64">
@@ -11568,8 +11574,8 @@
             </p:pic>
           </mc:Fallback>
         </mc:AlternateContent>
-        <mc:AlternateContent xmlns:mc="http://schemas.openxmlformats.org/markup-compatibility/2006">
-          <mc:Choice xmlns:p14="http://schemas.microsoft.com/office/powerpoint/2010/main" Requires="p14">
+        <mc:AlternateContent xmlns:mc="http://schemas.openxmlformats.org/markup-compatibility/2006" xmlns:p14="http://schemas.microsoft.com/office/powerpoint/2010/main">
+          <mc:Choice Requires="p14">
             <p:contentPart p14:bwMode="auto" r:id="rId108">
               <p14:nvContentPartPr>
                 <p14:cNvPr id="66" name="Ink 65">
@@ -11588,7 +11594,7 @@
               </p14:xfrm>
             </p:contentPart>
           </mc:Choice>
-          <mc:Fallback>
+          <mc:Fallback xmlns="">
             <p:pic>
               <p:nvPicPr>
                 <p:cNvPr id="66" name="Ink 65">
@@ -11619,8 +11625,8 @@
             </p:pic>
           </mc:Fallback>
         </mc:AlternateContent>
-        <mc:AlternateContent xmlns:mc="http://schemas.openxmlformats.org/markup-compatibility/2006">
-          <mc:Choice xmlns:p14="http://schemas.microsoft.com/office/powerpoint/2010/main" Requires="p14">
+        <mc:AlternateContent xmlns:mc="http://schemas.openxmlformats.org/markup-compatibility/2006" xmlns:p14="http://schemas.microsoft.com/office/powerpoint/2010/main">
+          <mc:Choice Requires="p14">
             <p:contentPart p14:bwMode="auto" r:id="rId110">
               <p14:nvContentPartPr>
                 <p14:cNvPr id="67" name="Ink 66">
@@ -11639,7 +11645,7 @@
               </p14:xfrm>
             </p:contentPart>
           </mc:Choice>
-          <mc:Fallback>
+          <mc:Fallback xmlns="">
             <p:pic>
               <p:nvPicPr>
                 <p:cNvPr id="67" name="Ink 66">
@@ -11670,8 +11676,8 @@
             </p:pic>
           </mc:Fallback>
         </mc:AlternateContent>
-        <mc:AlternateContent xmlns:mc="http://schemas.openxmlformats.org/markup-compatibility/2006">
-          <mc:Choice xmlns:p14="http://schemas.microsoft.com/office/powerpoint/2010/main" Requires="p14">
+        <mc:AlternateContent xmlns:mc="http://schemas.openxmlformats.org/markup-compatibility/2006" xmlns:p14="http://schemas.microsoft.com/office/powerpoint/2010/main">
+          <mc:Choice Requires="p14">
             <p:contentPart p14:bwMode="auto" r:id="rId112">
               <p14:nvContentPartPr>
                 <p14:cNvPr id="68" name="Ink 67">
@@ -11690,7 +11696,7 @@
               </p14:xfrm>
             </p:contentPart>
           </mc:Choice>
-          <mc:Fallback>
+          <mc:Fallback xmlns="">
             <p:pic>
               <p:nvPicPr>
                 <p:cNvPr id="68" name="Ink 67">
@@ -11721,8 +11727,8 @@
             </p:pic>
           </mc:Fallback>
         </mc:AlternateContent>
-        <mc:AlternateContent xmlns:mc="http://schemas.openxmlformats.org/markup-compatibility/2006">
-          <mc:Choice xmlns:p14="http://schemas.microsoft.com/office/powerpoint/2010/main" Requires="p14">
+        <mc:AlternateContent xmlns:mc="http://schemas.openxmlformats.org/markup-compatibility/2006" xmlns:p14="http://schemas.microsoft.com/office/powerpoint/2010/main">
+          <mc:Choice Requires="p14">
             <p:contentPart p14:bwMode="auto" r:id="rId114">
               <p14:nvContentPartPr>
                 <p14:cNvPr id="69" name="Ink 68">
@@ -11741,7 +11747,7 @@
               </p14:xfrm>
             </p:contentPart>
           </mc:Choice>
-          <mc:Fallback>
+          <mc:Fallback xmlns="">
             <p:pic>
               <p:nvPicPr>
                 <p:cNvPr id="69" name="Ink 68">
@@ -11772,8 +11778,8 @@
             </p:pic>
           </mc:Fallback>
         </mc:AlternateContent>
-        <mc:AlternateContent xmlns:mc="http://schemas.openxmlformats.org/markup-compatibility/2006">
-          <mc:Choice xmlns:p14="http://schemas.microsoft.com/office/powerpoint/2010/main" Requires="p14">
+        <mc:AlternateContent xmlns:mc="http://schemas.openxmlformats.org/markup-compatibility/2006" xmlns:p14="http://schemas.microsoft.com/office/powerpoint/2010/main">
+          <mc:Choice Requires="p14">
             <p:contentPart p14:bwMode="auto" r:id="rId116">
               <p14:nvContentPartPr>
                 <p14:cNvPr id="70" name="Ink 69">
@@ -11792,7 +11798,7 @@
               </p14:xfrm>
             </p:contentPart>
           </mc:Choice>
-          <mc:Fallback>
+          <mc:Fallback xmlns="">
             <p:pic>
               <p:nvPicPr>
                 <p:cNvPr id="70" name="Ink 69">
@@ -11823,8 +11829,8 @@
             </p:pic>
           </mc:Fallback>
         </mc:AlternateContent>
-        <mc:AlternateContent xmlns:mc="http://schemas.openxmlformats.org/markup-compatibility/2006">
-          <mc:Choice xmlns:p14="http://schemas.microsoft.com/office/powerpoint/2010/main" Requires="p14">
+        <mc:AlternateContent xmlns:mc="http://schemas.openxmlformats.org/markup-compatibility/2006" xmlns:p14="http://schemas.microsoft.com/office/powerpoint/2010/main">
+          <mc:Choice Requires="p14">
             <p:contentPart p14:bwMode="auto" r:id="rId118">
               <p14:nvContentPartPr>
                 <p14:cNvPr id="71" name="Ink 70">
@@ -11843,7 +11849,7 @@
               </p14:xfrm>
             </p:contentPart>
           </mc:Choice>
-          <mc:Fallback>
+          <mc:Fallback xmlns="">
             <p:pic>
               <p:nvPicPr>
                 <p:cNvPr id="71" name="Ink 70">
@@ -11874,8 +11880,8 @@
             </p:pic>
           </mc:Fallback>
         </mc:AlternateContent>
-        <mc:AlternateContent xmlns:mc="http://schemas.openxmlformats.org/markup-compatibility/2006">
-          <mc:Choice xmlns:p14="http://schemas.microsoft.com/office/powerpoint/2010/main" Requires="p14">
+        <mc:AlternateContent xmlns:mc="http://schemas.openxmlformats.org/markup-compatibility/2006" xmlns:p14="http://schemas.microsoft.com/office/powerpoint/2010/main">
+          <mc:Choice Requires="p14">
             <p:contentPart p14:bwMode="auto" r:id="rId120">
               <p14:nvContentPartPr>
                 <p14:cNvPr id="72" name="Ink 71">
@@ -11894,7 +11900,7 @@
               </p14:xfrm>
             </p:contentPart>
           </mc:Choice>
-          <mc:Fallback>
+          <mc:Fallback xmlns="">
             <p:pic>
               <p:nvPicPr>
                 <p:cNvPr id="72" name="Ink 71">
@@ -11925,8 +11931,8 @@
             </p:pic>
           </mc:Fallback>
         </mc:AlternateContent>
-        <mc:AlternateContent xmlns:mc="http://schemas.openxmlformats.org/markup-compatibility/2006">
-          <mc:Choice xmlns:p14="http://schemas.microsoft.com/office/powerpoint/2010/main" Requires="p14">
+        <mc:AlternateContent xmlns:mc="http://schemas.openxmlformats.org/markup-compatibility/2006" xmlns:p14="http://schemas.microsoft.com/office/powerpoint/2010/main">
+          <mc:Choice Requires="p14">
             <p:contentPart p14:bwMode="auto" r:id="rId122">
               <p14:nvContentPartPr>
                 <p14:cNvPr id="73" name="Ink 72">
@@ -11945,7 +11951,7 @@
               </p14:xfrm>
             </p:contentPart>
           </mc:Choice>
-          <mc:Fallback>
+          <mc:Fallback xmlns="">
             <p:pic>
               <p:nvPicPr>
                 <p:cNvPr id="73" name="Ink 72">
@@ -11976,8 +11982,8 @@
             </p:pic>
           </mc:Fallback>
         </mc:AlternateContent>
-        <mc:AlternateContent xmlns:mc="http://schemas.openxmlformats.org/markup-compatibility/2006">
-          <mc:Choice xmlns:p14="http://schemas.microsoft.com/office/powerpoint/2010/main" Requires="p14">
+        <mc:AlternateContent xmlns:mc="http://schemas.openxmlformats.org/markup-compatibility/2006" xmlns:p14="http://schemas.microsoft.com/office/powerpoint/2010/main">
+          <mc:Choice Requires="p14">
             <p:contentPart p14:bwMode="auto" r:id="rId124">
               <p14:nvContentPartPr>
                 <p14:cNvPr id="75" name="Ink 74">
@@ -11996,7 +12002,7 @@
               </p14:xfrm>
             </p:contentPart>
           </mc:Choice>
-          <mc:Fallback>
+          <mc:Fallback xmlns="">
             <p:pic>
               <p:nvPicPr>
                 <p:cNvPr id="75" name="Ink 74">
@@ -12027,8 +12033,8 @@
             </p:pic>
           </mc:Fallback>
         </mc:AlternateContent>
-        <mc:AlternateContent xmlns:mc="http://schemas.openxmlformats.org/markup-compatibility/2006">
-          <mc:Choice xmlns:p14="http://schemas.microsoft.com/office/powerpoint/2010/main" Requires="p14">
+        <mc:AlternateContent xmlns:mc="http://schemas.openxmlformats.org/markup-compatibility/2006" xmlns:p14="http://schemas.microsoft.com/office/powerpoint/2010/main">
+          <mc:Choice Requires="p14">
             <p:contentPart p14:bwMode="auto" r:id="rId126">
               <p14:nvContentPartPr>
                 <p14:cNvPr id="76" name="Ink 75">
@@ -12047,7 +12053,7 @@
               </p14:xfrm>
             </p:contentPart>
           </mc:Choice>
-          <mc:Fallback>
+          <mc:Fallback xmlns="">
             <p:pic>
               <p:nvPicPr>
                 <p:cNvPr id="76" name="Ink 75">
@@ -12078,8 +12084,8 @@
             </p:pic>
           </mc:Fallback>
         </mc:AlternateContent>
-        <mc:AlternateContent xmlns:mc="http://schemas.openxmlformats.org/markup-compatibility/2006">
-          <mc:Choice xmlns:p14="http://schemas.microsoft.com/office/powerpoint/2010/main" Requires="p14">
+        <mc:AlternateContent xmlns:mc="http://schemas.openxmlformats.org/markup-compatibility/2006" xmlns:p14="http://schemas.microsoft.com/office/powerpoint/2010/main">
+          <mc:Choice Requires="p14">
             <p:contentPart p14:bwMode="auto" r:id="rId128">
               <p14:nvContentPartPr>
                 <p14:cNvPr id="77" name="Ink 76">
@@ -12098,7 +12104,7 @@
               </p14:xfrm>
             </p:contentPart>
           </mc:Choice>
-          <mc:Fallback>
+          <mc:Fallback xmlns="">
             <p:pic>
               <p:nvPicPr>
                 <p:cNvPr id="77" name="Ink 76">
@@ -12129,8 +12135,8 @@
             </p:pic>
           </mc:Fallback>
         </mc:AlternateContent>
-        <mc:AlternateContent xmlns:mc="http://schemas.openxmlformats.org/markup-compatibility/2006">
-          <mc:Choice xmlns:p14="http://schemas.microsoft.com/office/powerpoint/2010/main" Requires="p14">
+        <mc:AlternateContent xmlns:mc="http://schemas.openxmlformats.org/markup-compatibility/2006" xmlns:p14="http://schemas.microsoft.com/office/powerpoint/2010/main">
+          <mc:Choice Requires="p14">
             <p:contentPart p14:bwMode="auto" r:id="rId130">
               <p14:nvContentPartPr>
                 <p14:cNvPr id="78" name="Ink 77">
@@ -12149,7 +12155,7 @@
               </p14:xfrm>
             </p:contentPart>
           </mc:Choice>
-          <mc:Fallback>
+          <mc:Fallback xmlns="">
             <p:pic>
               <p:nvPicPr>
                 <p:cNvPr id="78" name="Ink 77">
@@ -12180,8 +12186,8 @@
             </p:pic>
           </mc:Fallback>
         </mc:AlternateContent>
-        <mc:AlternateContent xmlns:mc="http://schemas.openxmlformats.org/markup-compatibility/2006">
-          <mc:Choice xmlns:p14="http://schemas.microsoft.com/office/powerpoint/2010/main" Requires="p14">
+        <mc:AlternateContent xmlns:mc="http://schemas.openxmlformats.org/markup-compatibility/2006" xmlns:p14="http://schemas.microsoft.com/office/powerpoint/2010/main">
+          <mc:Choice Requires="p14">
             <p:contentPart p14:bwMode="auto" r:id="rId132">
               <p14:nvContentPartPr>
                 <p14:cNvPr id="79" name="Ink 78">
@@ -12200,7 +12206,7 @@
               </p14:xfrm>
             </p:contentPart>
           </mc:Choice>
-          <mc:Fallback>
+          <mc:Fallback xmlns="">
             <p:pic>
               <p:nvPicPr>
                 <p:cNvPr id="79" name="Ink 78">
@@ -12835,8 +12841,8 @@
             <a:chExt cx="1130400" cy="375120"/>
           </a:xfrm>
         </p:grpSpPr>
-        <mc:AlternateContent xmlns:mc="http://schemas.openxmlformats.org/markup-compatibility/2006">
-          <mc:Choice xmlns:p14="http://schemas.microsoft.com/office/powerpoint/2010/main" Requires="p14">
+        <mc:AlternateContent xmlns:mc="http://schemas.openxmlformats.org/markup-compatibility/2006" xmlns:p14="http://schemas.microsoft.com/office/powerpoint/2010/main">
+          <mc:Choice Requires="p14">
             <p:contentPart p14:bwMode="auto" r:id="rId2">
               <p14:nvContentPartPr>
                 <p14:cNvPr id="4" name="Ink 3">
@@ -12855,7 +12861,7 @@
               </p14:xfrm>
             </p:contentPart>
           </mc:Choice>
-          <mc:Fallback>
+          <mc:Fallback xmlns="">
             <p:pic>
               <p:nvPicPr>
                 <p:cNvPr id="4" name="Ink 3">
@@ -12886,8 +12892,8 @@
             </p:pic>
           </mc:Fallback>
         </mc:AlternateContent>
-        <mc:AlternateContent xmlns:mc="http://schemas.openxmlformats.org/markup-compatibility/2006">
-          <mc:Choice xmlns:p14="http://schemas.microsoft.com/office/powerpoint/2010/main" Requires="p14">
+        <mc:AlternateContent xmlns:mc="http://schemas.openxmlformats.org/markup-compatibility/2006" xmlns:p14="http://schemas.microsoft.com/office/powerpoint/2010/main">
+          <mc:Choice Requires="p14">
             <p:contentPart p14:bwMode="auto" r:id="rId4">
               <p14:nvContentPartPr>
                 <p14:cNvPr id="5" name="Ink 4">
@@ -12906,7 +12912,7 @@
               </p14:xfrm>
             </p:contentPart>
           </mc:Choice>
-          <mc:Fallback>
+          <mc:Fallback xmlns="">
             <p:pic>
               <p:nvPicPr>
                 <p:cNvPr id="5" name="Ink 4">
@@ -12937,8 +12943,8 @@
             </p:pic>
           </mc:Fallback>
         </mc:AlternateContent>
-        <mc:AlternateContent xmlns:mc="http://schemas.openxmlformats.org/markup-compatibility/2006">
-          <mc:Choice xmlns:p14="http://schemas.microsoft.com/office/powerpoint/2010/main" Requires="p14">
+        <mc:AlternateContent xmlns:mc="http://schemas.openxmlformats.org/markup-compatibility/2006" xmlns:p14="http://schemas.microsoft.com/office/powerpoint/2010/main">
+          <mc:Choice Requires="p14">
             <p:contentPart p14:bwMode="auto" r:id="rId6">
               <p14:nvContentPartPr>
                 <p14:cNvPr id="6" name="Ink 5">
@@ -12957,7 +12963,7 @@
               </p14:xfrm>
             </p:contentPart>
           </mc:Choice>
-          <mc:Fallback>
+          <mc:Fallback xmlns="">
             <p:pic>
               <p:nvPicPr>
                 <p:cNvPr id="6" name="Ink 5">
@@ -12988,8 +12994,8 @@
             </p:pic>
           </mc:Fallback>
         </mc:AlternateContent>
-        <mc:AlternateContent xmlns:mc="http://schemas.openxmlformats.org/markup-compatibility/2006">
-          <mc:Choice xmlns:p14="http://schemas.microsoft.com/office/powerpoint/2010/main" Requires="p14">
+        <mc:AlternateContent xmlns:mc="http://schemas.openxmlformats.org/markup-compatibility/2006" xmlns:p14="http://schemas.microsoft.com/office/powerpoint/2010/main">
+          <mc:Choice Requires="p14">
             <p:contentPart p14:bwMode="auto" r:id="rId8">
               <p14:nvContentPartPr>
                 <p14:cNvPr id="7" name="Ink 6">
@@ -13008,7 +13014,7 @@
               </p14:xfrm>
             </p:contentPart>
           </mc:Choice>
-          <mc:Fallback>
+          <mc:Fallback xmlns="">
             <p:pic>
               <p:nvPicPr>
                 <p:cNvPr id="7" name="Ink 6">
@@ -13039,8 +13045,8 @@
             </p:pic>
           </mc:Fallback>
         </mc:AlternateContent>
-        <mc:AlternateContent xmlns:mc="http://schemas.openxmlformats.org/markup-compatibility/2006">
-          <mc:Choice xmlns:p14="http://schemas.microsoft.com/office/powerpoint/2010/main" Requires="p14">
+        <mc:AlternateContent xmlns:mc="http://schemas.openxmlformats.org/markup-compatibility/2006" xmlns:p14="http://schemas.microsoft.com/office/powerpoint/2010/main">
+          <mc:Choice Requires="p14">
             <p:contentPart p14:bwMode="auto" r:id="rId10">
               <p14:nvContentPartPr>
                 <p14:cNvPr id="8" name="Ink 7">
@@ -13059,7 +13065,7 @@
               </p14:xfrm>
             </p:contentPart>
           </mc:Choice>
-          <mc:Fallback>
+          <mc:Fallback xmlns="">
             <p:pic>
               <p:nvPicPr>
                 <p:cNvPr id="8" name="Ink 7">
@@ -13090,8 +13096,8 @@
             </p:pic>
           </mc:Fallback>
         </mc:AlternateContent>
-        <mc:AlternateContent xmlns:mc="http://schemas.openxmlformats.org/markup-compatibility/2006">
-          <mc:Choice xmlns:p14="http://schemas.microsoft.com/office/powerpoint/2010/main" Requires="p14">
+        <mc:AlternateContent xmlns:mc="http://schemas.openxmlformats.org/markup-compatibility/2006" xmlns:p14="http://schemas.microsoft.com/office/powerpoint/2010/main">
+          <mc:Choice Requires="p14">
             <p:contentPart p14:bwMode="auto" r:id="rId12">
               <p14:nvContentPartPr>
                 <p14:cNvPr id="9" name="Ink 8">
@@ -13110,7 +13116,7 @@
               </p14:xfrm>
             </p:contentPart>
           </mc:Choice>
-          <mc:Fallback>
+          <mc:Fallback xmlns="">
             <p:pic>
               <p:nvPicPr>
                 <p:cNvPr id="9" name="Ink 8">
@@ -13162,8 +13168,8 @@
             <a:chExt cx="2068560" cy="471600"/>
           </a:xfrm>
         </p:grpSpPr>
-        <mc:AlternateContent xmlns:mc="http://schemas.openxmlformats.org/markup-compatibility/2006">
-          <mc:Choice xmlns:p14="http://schemas.microsoft.com/office/powerpoint/2010/main" Requires="p14">
+        <mc:AlternateContent xmlns:mc="http://schemas.openxmlformats.org/markup-compatibility/2006" xmlns:p14="http://schemas.microsoft.com/office/powerpoint/2010/main">
+          <mc:Choice Requires="p14">
             <p:contentPart p14:bwMode="auto" r:id="rId14">
               <p14:nvContentPartPr>
                 <p14:cNvPr id="11" name="Ink 10">
@@ -13182,7 +13188,7 @@
               </p14:xfrm>
             </p:contentPart>
           </mc:Choice>
-          <mc:Fallback>
+          <mc:Fallback xmlns="">
             <p:pic>
               <p:nvPicPr>
                 <p:cNvPr id="11" name="Ink 10">
@@ -13213,8 +13219,8 @@
             </p:pic>
           </mc:Fallback>
         </mc:AlternateContent>
-        <mc:AlternateContent xmlns:mc="http://schemas.openxmlformats.org/markup-compatibility/2006">
-          <mc:Choice xmlns:p14="http://schemas.microsoft.com/office/powerpoint/2010/main" Requires="p14">
+        <mc:AlternateContent xmlns:mc="http://schemas.openxmlformats.org/markup-compatibility/2006" xmlns:p14="http://schemas.microsoft.com/office/powerpoint/2010/main">
+          <mc:Choice Requires="p14">
             <p:contentPart p14:bwMode="auto" r:id="rId16">
               <p14:nvContentPartPr>
                 <p14:cNvPr id="12" name="Ink 11">
@@ -13233,7 +13239,7 @@
               </p14:xfrm>
             </p:contentPart>
           </mc:Choice>
-          <mc:Fallback>
+          <mc:Fallback xmlns="">
             <p:pic>
               <p:nvPicPr>
                 <p:cNvPr id="12" name="Ink 11">
@@ -13264,8 +13270,8 @@
             </p:pic>
           </mc:Fallback>
         </mc:AlternateContent>
-        <mc:AlternateContent xmlns:mc="http://schemas.openxmlformats.org/markup-compatibility/2006">
-          <mc:Choice xmlns:p14="http://schemas.microsoft.com/office/powerpoint/2010/main" Requires="p14">
+        <mc:AlternateContent xmlns:mc="http://schemas.openxmlformats.org/markup-compatibility/2006" xmlns:p14="http://schemas.microsoft.com/office/powerpoint/2010/main">
+          <mc:Choice Requires="p14">
             <p:contentPart p14:bwMode="auto" r:id="rId18">
               <p14:nvContentPartPr>
                 <p14:cNvPr id="13" name="Ink 12">
@@ -13284,7 +13290,7 @@
               </p14:xfrm>
             </p:contentPart>
           </mc:Choice>
-          <mc:Fallback>
+          <mc:Fallback xmlns="">
             <p:pic>
               <p:nvPicPr>
                 <p:cNvPr id="13" name="Ink 12">
@@ -13315,8 +13321,8 @@
             </p:pic>
           </mc:Fallback>
         </mc:AlternateContent>
-        <mc:AlternateContent xmlns:mc="http://schemas.openxmlformats.org/markup-compatibility/2006">
-          <mc:Choice xmlns:p14="http://schemas.microsoft.com/office/powerpoint/2010/main" Requires="p14">
+        <mc:AlternateContent xmlns:mc="http://schemas.openxmlformats.org/markup-compatibility/2006" xmlns:p14="http://schemas.microsoft.com/office/powerpoint/2010/main">
+          <mc:Choice Requires="p14">
             <p:contentPart p14:bwMode="auto" r:id="rId20">
               <p14:nvContentPartPr>
                 <p14:cNvPr id="14" name="Ink 13">
@@ -13335,7 +13341,7 @@
               </p14:xfrm>
             </p:contentPart>
           </mc:Choice>
-          <mc:Fallback>
+          <mc:Fallback xmlns="">
             <p:pic>
               <p:nvPicPr>
                 <p:cNvPr id="14" name="Ink 13">
@@ -13366,8 +13372,8 @@
             </p:pic>
           </mc:Fallback>
         </mc:AlternateContent>
-        <mc:AlternateContent xmlns:mc="http://schemas.openxmlformats.org/markup-compatibility/2006">
-          <mc:Choice xmlns:p14="http://schemas.microsoft.com/office/powerpoint/2010/main" Requires="p14">
+        <mc:AlternateContent xmlns:mc="http://schemas.openxmlformats.org/markup-compatibility/2006" xmlns:p14="http://schemas.microsoft.com/office/powerpoint/2010/main">
+          <mc:Choice Requires="p14">
             <p:contentPart p14:bwMode="auto" r:id="rId22">
               <p14:nvContentPartPr>
                 <p14:cNvPr id="15" name="Ink 14">
@@ -13386,7 +13392,7 @@
               </p14:xfrm>
             </p:contentPart>
           </mc:Choice>
-          <mc:Fallback>
+          <mc:Fallback xmlns="">
             <p:pic>
               <p:nvPicPr>
                 <p:cNvPr id="15" name="Ink 14">
@@ -13417,8 +13423,8 @@
             </p:pic>
           </mc:Fallback>
         </mc:AlternateContent>
-        <mc:AlternateContent xmlns:mc="http://schemas.openxmlformats.org/markup-compatibility/2006">
-          <mc:Choice xmlns:p14="http://schemas.microsoft.com/office/powerpoint/2010/main" Requires="p14">
+        <mc:AlternateContent xmlns:mc="http://schemas.openxmlformats.org/markup-compatibility/2006" xmlns:p14="http://schemas.microsoft.com/office/powerpoint/2010/main">
+          <mc:Choice Requires="p14">
             <p:contentPart p14:bwMode="auto" r:id="rId24">
               <p14:nvContentPartPr>
                 <p14:cNvPr id="16" name="Ink 15">
@@ -13437,7 +13443,7 @@
               </p14:xfrm>
             </p:contentPart>
           </mc:Choice>
-          <mc:Fallback>
+          <mc:Fallback xmlns="">
             <p:pic>
               <p:nvPicPr>
                 <p:cNvPr id="16" name="Ink 15">
@@ -13468,8 +13474,8 @@
             </p:pic>
           </mc:Fallback>
         </mc:AlternateContent>
-        <mc:AlternateContent xmlns:mc="http://schemas.openxmlformats.org/markup-compatibility/2006">
-          <mc:Choice xmlns:p14="http://schemas.microsoft.com/office/powerpoint/2010/main" Requires="p14">
+        <mc:AlternateContent xmlns:mc="http://schemas.openxmlformats.org/markup-compatibility/2006" xmlns:p14="http://schemas.microsoft.com/office/powerpoint/2010/main">
+          <mc:Choice Requires="p14">
             <p:contentPart p14:bwMode="auto" r:id="rId26">
               <p14:nvContentPartPr>
                 <p14:cNvPr id="17" name="Ink 16">
@@ -13488,7 +13494,7 @@
               </p14:xfrm>
             </p:contentPart>
           </mc:Choice>
-          <mc:Fallback>
+          <mc:Fallback xmlns="">
             <p:pic>
               <p:nvPicPr>
                 <p:cNvPr id="17" name="Ink 16">
@@ -13519,8 +13525,8 @@
             </p:pic>
           </mc:Fallback>
         </mc:AlternateContent>
-        <mc:AlternateContent xmlns:mc="http://schemas.openxmlformats.org/markup-compatibility/2006">
-          <mc:Choice xmlns:p14="http://schemas.microsoft.com/office/powerpoint/2010/main" Requires="p14">
+        <mc:AlternateContent xmlns:mc="http://schemas.openxmlformats.org/markup-compatibility/2006" xmlns:p14="http://schemas.microsoft.com/office/powerpoint/2010/main">
+          <mc:Choice Requires="p14">
             <p:contentPart p14:bwMode="auto" r:id="rId28">
               <p14:nvContentPartPr>
                 <p14:cNvPr id="18" name="Ink 17">
@@ -13539,7 +13545,7 @@
               </p14:xfrm>
             </p:contentPart>
           </mc:Choice>
-          <mc:Fallback>
+          <mc:Fallback xmlns="">
             <p:pic>
               <p:nvPicPr>
                 <p:cNvPr id="18" name="Ink 17">
@@ -13570,8 +13576,8 @@
             </p:pic>
           </mc:Fallback>
         </mc:AlternateContent>
-        <mc:AlternateContent xmlns:mc="http://schemas.openxmlformats.org/markup-compatibility/2006">
-          <mc:Choice xmlns:p14="http://schemas.microsoft.com/office/powerpoint/2010/main" Requires="p14">
+        <mc:AlternateContent xmlns:mc="http://schemas.openxmlformats.org/markup-compatibility/2006" xmlns:p14="http://schemas.microsoft.com/office/powerpoint/2010/main">
+          <mc:Choice Requires="p14">
             <p:contentPart p14:bwMode="auto" r:id="rId30">
               <p14:nvContentPartPr>
                 <p14:cNvPr id="19" name="Ink 18">
@@ -13590,7 +13596,7 @@
               </p14:xfrm>
             </p:contentPart>
           </mc:Choice>
-          <mc:Fallback>
+          <mc:Fallback xmlns="">
             <p:pic>
               <p:nvPicPr>
                 <p:cNvPr id="19" name="Ink 18">
@@ -13621,8 +13627,8 @@
             </p:pic>
           </mc:Fallback>
         </mc:AlternateContent>
-        <mc:AlternateContent xmlns:mc="http://schemas.openxmlformats.org/markup-compatibility/2006">
-          <mc:Choice xmlns:p14="http://schemas.microsoft.com/office/powerpoint/2010/main" Requires="p14">
+        <mc:AlternateContent xmlns:mc="http://schemas.openxmlformats.org/markup-compatibility/2006" xmlns:p14="http://schemas.microsoft.com/office/powerpoint/2010/main">
+          <mc:Choice Requires="p14">
             <p:contentPart p14:bwMode="auto" r:id="rId32">
               <p14:nvContentPartPr>
                 <p14:cNvPr id="20" name="Ink 19">
@@ -13641,7 +13647,7 @@
               </p14:xfrm>
             </p:contentPart>
           </mc:Choice>
-          <mc:Fallback>
+          <mc:Fallback xmlns="">
             <p:pic>
               <p:nvPicPr>
                 <p:cNvPr id="20" name="Ink 19">
@@ -13672,8 +13678,8 @@
             </p:pic>
           </mc:Fallback>
         </mc:AlternateContent>
-        <mc:AlternateContent xmlns:mc="http://schemas.openxmlformats.org/markup-compatibility/2006">
-          <mc:Choice xmlns:p14="http://schemas.microsoft.com/office/powerpoint/2010/main" Requires="p14">
+        <mc:AlternateContent xmlns:mc="http://schemas.openxmlformats.org/markup-compatibility/2006" xmlns:p14="http://schemas.microsoft.com/office/powerpoint/2010/main">
+          <mc:Choice Requires="p14">
             <p:contentPart p14:bwMode="auto" r:id="rId34">
               <p14:nvContentPartPr>
                 <p14:cNvPr id="21" name="Ink 20">
@@ -13692,7 +13698,7 @@
               </p14:xfrm>
             </p:contentPart>
           </mc:Choice>
-          <mc:Fallback>
+          <mc:Fallback xmlns="">
             <p:pic>
               <p:nvPicPr>
                 <p:cNvPr id="21" name="Ink 20">
@@ -13744,8 +13750,8 @@
             <a:chExt cx="873720" cy="321840"/>
           </a:xfrm>
         </p:grpSpPr>
-        <mc:AlternateContent xmlns:mc="http://schemas.openxmlformats.org/markup-compatibility/2006">
-          <mc:Choice xmlns:p14="http://schemas.microsoft.com/office/powerpoint/2010/main" Requires="p14">
+        <mc:AlternateContent xmlns:mc="http://schemas.openxmlformats.org/markup-compatibility/2006" xmlns:p14="http://schemas.microsoft.com/office/powerpoint/2010/main">
+          <mc:Choice Requires="p14">
             <p:contentPart p14:bwMode="auto" r:id="rId36">
               <p14:nvContentPartPr>
                 <p14:cNvPr id="22" name="Ink 21">
@@ -13764,7 +13770,7 @@
               </p14:xfrm>
             </p:contentPart>
           </mc:Choice>
-          <mc:Fallback>
+          <mc:Fallback xmlns="">
             <p:pic>
               <p:nvPicPr>
                 <p:cNvPr id="22" name="Ink 21">
@@ -13795,8 +13801,8 @@
             </p:pic>
           </mc:Fallback>
         </mc:AlternateContent>
-        <mc:AlternateContent xmlns:mc="http://schemas.openxmlformats.org/markup-compatibility/2006">
-          <mc:Choice xmlns:p14="http://schemas.microsoft.com/office/powerpoint/2010/main" Requires="p14">
+        <mc:AlternateContent xmlns:mc="http://schemas.openxmlformats.org/markup-compatibility/2006" xmlns:p14="http://schemas.microsoft.com/office/powerpoint/2010/main">
+          <mc:Choice Requires="p14">
             <p:contentPart p14:bwMode="auto" r:id="rId38">
               <p14:nvContentPartPr>
                 <p14:cNvPr id="23" name="Ink 22">
@@ -13815,7 +13821,7 @@
               </p14:xfrm>
             </p:contentPart>
           </mc:Choice>
-          <mc:Fallback>
+          <mc:Fallback xmlns="">
             <p:pic>
               <p:nvPicPr>
                 <p:cNvPr id="23" name="Ink 22">
@@ -13846,8 +13852,8 @@
             </p:pic>
           </mc:Fallback>
         </mc:AlternateContent>
-        <mc:AlternateContent xmlns:mc="http://schemas.openxmlformats.org/markup-compatibility/2006">
-          <mc:Choice xmlns:p14="http://schemas.microsoft.com/office/powerpoint/2010/main" Requires="p14">
+        <mc:AlternateContent xmlns:mc="http://schemas.openxmlformats.org/markup-compatibility/2006" xmlns:p14="http://schemas.microsoft.com/office/powerpoint/2010/main">
+          <mc:Choice Requires="p14">
             <p:contentPart p14:bwMode="auto" r:id="rId40">
               <p14:nvContentPartPr>
                 <p14:cNvPr id="24" name="Ink 23">
@@ -13866,7 +13872,7 @@
               </p14:xfrm>
             </p:contentPart>
           </mc:Choice>
-          <mc:Fallback>
+          <mc:Fallback xmlns="">
             <p:pic>
               <p:nvPicPr>
                 <p:cNvPr id="24" name="Ink 23">
@@ -13897,8 +13903,8 @@
             </p:pic>
           </mc:Fallback>
         </mc:AlternateContent>
-        <mc:AlternateContent xmlns:mc="http://schemas.openxmlformats.org/markup-compatibility/2006">
-          <mc:Choice xmlns:p14="http://schemas.microsoft.com/office/powerpoint/2010/main" Requires="p14">
+        <mc:AlternateContent xmlns:mc="http://schemas.openxmlformats.org/markup-compatibility/2006" xmlns:p14="http://schemas.microsoft.com/office/powerpoint/2010/main">
+          <mc:Choice Requires="p14">
             <p:contentPart p14:bwMode="auto" r:id="rId42">
               <p14:nvContentPartPr>
                 <p14:cNvPr id="25" name="Ink 24">
@@ -13917,7 +13923,7 @@
               </p14:xfrm>
             </p:contentPart>
           </mc:Choice>
-          <mc:Fallback>
+          <mc:Fallback xmlns="">
             <p:pic>
               <p:nvPicPr>
                 <p:cNvPr id="25" name="Ink 24">
@@ -13948,8 +13954,8 @@
             </p:pic>
           </mc:Fallback>
         </mc:AlternateContent>
-        <mc:AlternateContent xmlns:mc="http://schemas.openxmlformats.org/markup-compatibility/2006">
-          <mc:Choice xmlns:p14="http://schemas.microsoft.com/office/powerpoint/2010/main" Requires="p14">
+        <mc:AlternateContent xmlns:mc="http://schemas.openxmlformats.org/markup-compatibility/2006" xmlns:p14="http://schemas.microsoft.com/office/powerpoint/2010/main">
+          <mc:Choice Requires="p14">
             <p:contentPart p14:bwMode="auto" r:id="rId44">
               <p14:nvContentPartPr>
                 <p14:cNvPr id="26" name="Ink 25">
@@ -13968,7 +13974,7 @@
               </p14:xfrm>
             </p:contentPart>
           </mc:Choice>
-          <mc:Fallback>
+          <mc:Fallback xmlns="">
             <p:pic>
               <p:nvPicPr>
                 <p:cNvPr id="26" name="Ink 25">
@@ -13999,8 +14005,8 @@
             </p:pic>
           </mc:Fallback>
         </mc:AlternateContent>
-        <mc:AlternateContent xmlns:mc="http://schemas.openxmlformats.org/markup-compatibility/2006">
-          <mc:Choice xmlns:p14="http://schemas.microsoft.com/office/powerpoint/2010/main" Requires="p14">
+        <mc:AlternateContent xmlns:mc="http://schemas.openxmlformats.org/markup-compatibility/2006" xmlns:p14="http://schemas.microsoft.com/office/powerpoint/2010/main">
+          <mc:Choice Requires="p14">
             <p:contentPart p14:bwMode="auto" r:id="rId46">
               <p14:nvContentPartPr>
                 <p14:cNvPr id="27" name="Ink 26">
@@ -14019,7 +14025,7 @@
               </p14:xfrm>
             </p:contentPart>
           </mc:Choice>
-          <mc:Fallback>
+          <mc:Fallback xmlns="">
             <p:pic>
               <p:nvPicPr>
                 <p:cNvPr id="27" name="Ink 26">
@@ -14071,8 +14077,8 @@
             <a:chExt cx="262440" cy="344880"/>
           </a:xfrm>
         </p:grpSpPr>
-        <mc:AlternateContent xmlns:mc="http://schemas.openxmlformats.org/markup-compatibility/2006">
-          <mc:Choice xmlns:p14="http://schemas.microsoft.com/office/powerpoint/2010/main" Requires="p14">
+        <mc:AlternateContent xmlns:mc="http://schemas.openxmlformats.org/markup-compatibility/2006" xmlns:p14="http://schemas.microsoft.com/office/powerpoint/2010/main">
+          <mc:Choice Requires="p14">
             <p:contentPart p14:bwMode="auto" r:id="rId48">
               <p14:nvContentPartPr>
                 <p14:cNvPr id="28" name="Ink 27">
@@ -14091,7 +14097,7 @@
               </p14:xfrm>
             </p:contentPart>
           </mc:Choice>
-          <mc:Fallback>
+          <mc:Fallback xmlns="">
             <p:pic>
               <p:nvPicPr>
                 <p:cNvPr id="28" name="Ink 27">
@@ -14122,8 +14128,8 @@
             </p:pic>
           </mc:Fallback>
         </mc:AlternateContent>
-        <mc:AlternateContent xmlns:mc="http://schemas.openxmlformats.org/markup-compatibility/2006">
-          <mc:Choice xmlns:p14="http://schemas.microsoft.com/office/powerpoint/2010/main" Requires="p14">
+        <mc:AlternateContent xmlns:mc="http://schemas.openxmlformats.org/markup-compatibility/2006" xmlns:p14="http://schemas.microsoft.com/office/powerpoint/2010/main">
+          <mc:Choice Requires="p14">
             <p:contentPart p14:bwMode="auto" r:id="rId50">
               <p14:nvContentPartPr>
                 <p14:cNvPr id="29" name="Ink 28">
@@ -14142,7 +14148,7 @@
               </p14:xfrm>
             </p:contentPart>
           </mc:Choice>
-          <mc:Fallback>
+          <mc:Fallback xmlns="">
             <p:pic>
               <p:nvPicPr>
                 <p:cNvPr id="29" name="Ink 28">
@@ -14173,8 +14179,8 @@
             </p:pic>
           </mc:Fallback>
         </mc:AlternateContent>
-        <mc:AlternateContent xmlns:mc="http://schemas.openxmlformats.org/markup-compatibility/2006">
-          <mc:Choice xmlns:p14="http://schemas.microsoft.com/office/powerpoint/2010/main" Requires="p14">
+        <mc:AlternateContent xmlns:mc="http://schemas.openxmlformats.org/markup-compatibility/2006" xmlns:p14="http://schemas.microsoft.com/office/powerpoint/2010/main">
+          <mc:Choice Requires="p14">
             <p:contentPart p14:bwMode="auto" r:id="rId52">
               <p14:nvContentPartPr>
                 <p14:cNvPr id="30" name="Ink 29">
@@ -14193,7 +14199,7 @@
               </p14:xfrm>
             </p:contentPart>
           </mc:Choice>
-          <mc:Fallback>
+          <mc:Fallback xmlns="">
             <p:pic>
               <p:nvPicPr>
                 <p:cNvPr id="30" name="Ink 29">
@@ -14245,8 +14251,8 @@
             <a:chExt cx="1405080" cy="326520"/>
           </a:xfrm>
         </p:grpSpPr>
-        <mc:AlternateContent xmlns:mc="http://schemas.openxmlformats.org/markup-compatibility/2006">
-          <mc:Choice xmlns:p14="http://schemas.microsoft.com/office/powerpoint/2010/main" Requires="p14">
+        <mc:AlternateContent xmlns:mc="http://schemas.openxmlformats.org/markup-compatibility/2006" xmlns:p14="http://schemas.microsoft.com/office/powerpoint/2010/main">
+          <mc:Choice Requires="p14">
             <p:contentPart p14:bwMode="auto" r:id="rId54">
               <p14:nvContentPartPr>
                 <p14:cNvPr id="34" name="Ink 33">
@@ -14265,7 +14271,7 @@
               </p14:xfrm>
             </p:contentPart>
           </mc:Choice>
-          <mc:Fallback>
+          <mc:Fallback xmlns="">
             <p:pic>
               <p:nvPicPr>
                 <p:cNvPr id="34" name="Ink 33">
@@ -14296,8 +14302,8 @@
             </p:pic>
           </mc:Fallback>
         </mc:AlternateContent>
-        <mc:AlternateContent xmlns:mc="http://schemas.openxmlformats.org/markup-compatibility/2006">
-          <mc:Choice xmlns:p14="http://schemas.microsoft.com/office/powerpoint/2010/main" Requires="p14">
+        <mc:AlternateContent xmlns:mc="http://schemas.openxmlformats.org/markup-compatibility/2006" xmlns:p14="http://schemas.microsoft.com/office/powerpoint/2010/main">
+          <mc:Choice Requires="p14">
             <p:contentPart p14:bwMode="auto" r:id="rId56">
               <p14:nvContentPartPr>
                 <p14:cNvPr id="35" name="Ink 34">
@@ -14316,7 +14322,7 @@
               </p14:xfrm>
             </p:contentPart>
           </mc:Choice>
-          <mc:Fallback>
+          <mc:Fallback xmlns="">
             <p:pic>
               <p:nvPicPr>
                 <p:cNvPr id="35" name="Ink 34">
@@ -14347,8 +14353,8 @@
             </p:pic>
           </mc:Fallback>
         </mc:AlternateContent>
-        <mc:AlternateContent xmlns:mc="http://schemas.openxmlformats.org/markup-compatibility/2006">
-          <mc:Choice xmlns:p14="http://schemas.microsoft.com/office/powerpoint/2010/main" Requires="p14">
+        <mc:AlternateContent xmlns:mc="http://schemas.openxmlformats.org/markup-compatibility/2006" xmlns:p14="http://schemas.microsoft.com/office/powerpoint/2010/main">
+          <mc:Choice Requires="p14">
             <p:contentPart p14:bwMode="auto" r:id="rId58">
               <p14:nvContentPartPr>
                 <p14:cNvPr id="36" name="Ink 35">
@@ -14367,7 +14373,7 @@
               </p14:xfrm>
             </p:contentPart>
           </mc:Choice>
-          <mc:Fallback>
+          <mc:Fallback xmlns="">
             <p:pic>
               <p:nvPicPr>
                 <p:cNvPr id="36" name="Ink 35">
@@ -14398,8 +14404,8 @@
             </p:pic>
           </mc:Fallback>
         </mc:AlternateContent>
-        <mc:AlternateContent xmlns:mc="http://schemas.openxmlformats.org/markup-compatibility/2006">
-          <mc:Choice xmlns:p14="http://schemas.microsoft.com/office/powerpoint/2010/main" Requires="p14">
+        <mc:AlternateContent xmlns:mc="http://schemas.openxmlformats.org/markup-compatibility/2006" xmlns:p14="http://schemas.microsoft.com/office/powerpoint/2010/main">
+          <mc:Choice Requires="p14">
             <p:contentPart p14:bwMode="auto" r:id="rId60">
               <p14:nvContentPartPr>
                 <p14:cNvPr id="37" name="Ink 36">
@@ -14418,7 +14424,7 @@
               </p14:xfrm>
             </p:contentPart>
           </mc:Choice>
-          <mc:Fallback>
+          <mc:Fallback xmlns="">
             <p:pic>
               <p:nvPicPr>
                 <p:cNvPr id="37" name="Ink 36">
@@ -14449,8 +14455,8 @@
             </p:pic>
           </mc:Fallback>
         </mc:AlternateContent>
-        <mc:AlternateContent xmlns:mc="http://schemas.openxmlformats.org/markup-compatibility/2006">
-          <mc:Choice xmlns:p14="http://schemas.microsoft.com/office/powerpoint/2010/main" Requires="p14">
+        <mc:AlternateContent xmlns:mc="http://schemas.openxmlformats.org/markup-compatibility/2006" xmlns:p14="http://schemas.microsoft.com/office/powerpoint/2010/main">
+          <mc:Choice Requires="p14">
             <p:contentPart p14:bwMode="auto" r:id="rId62">
               <p14:nvContentPartPr>
                 <p14:cNvPr id="38" name="Ink 37">
@@ -14469,7 +14475,7 @@
               </p14:xfrm>
             </p:contentPart>
           </mc:Choice>
-          <mc:Fallback>
+          <mc:Fallback xmlns="">
             <p:pic>
               <p:nvPicPr>
                 <p:cNvPr id="38" name="Ink 37">
@@ -14500,8 +14506,8 @@
             </p:pic>
           </mc:Fallback>
         </mc:AlternateContent>
-        <mc:AlternateContent xmlns:mc="http://schemas.openxmlformats.org/markup-compatibility/2006">
-          <mc:Choice xmlns:p14="http://schemas.microsoft.com/office/powerpoint/2010/main" Requires="p14">
+        <mc:AlternateContent xmlns:mc="http://schemas.openxmlformats.org/markup-compatibility/2006" xmlns:p14="http://schemas.microsoft.com/office/powerpoint/2010/main">
+          <mc:Choice Requires="p14">
             <p:contentPart p14:bwMode="auto" r:id="rId64">
               <p14:nvContentPartPr>
                 <p14:cNvPr id="39" name="Ink 38">
@@ -14520,7 +14526,7 @@
               </p14:xfrm>
             </p:contentPart>
           </mc:Choice>
-          <mc:Fallback>
+          <mc:Fallback xmlns="">
             <p:pic>
               <p:nvPicPr>
                 <p:cNvPr id="39" name="Ink 38">
@@ -14572,8 +14578,8 @@
             <a:chExt cx="940320" cy="444960"/>
           </a:xfrm>
         </p:grpSpPr>
-        <mc:AlternateContent xmlns:mc="http://schemas.openxmlformats.org/markup-compatibility/2006">
-          <mc:Choice xmlns:p14="http://schemas.microsoft.com/office/powerpoint/2010/main" Requires="p14">
+        <mc:AlternateContent xmlns:mc="http://schemas.openxmlformats.org/markup-compatibility/2006" xmlns:p14="http://schemas.microsoft.com/office/powerpoint/2010/main">
+          <mc:Choice Requires="p14">
             <p:contentPart p14:bwMode="auto" r:id="rId66">
               <p14:nvContentPartPr>
                 <p14:cNvPr id="40" name="Ink 39">
@@ -14592,7 +14598,7 @@
               </p14:xfrm>
             </p:contentPart>
           </mc:Choice>
-          <mc:Fallback>
+          <mc:Fallback xmlns="">
             <p:pic>
               <p:nvPicPr>
                 <p:cNvPr id="40" name="Ink 39">
@@ -14623,8 +14629,8 @@
             </p:pic>
           </mc:Fallback>
         </mc:AlternateContent>
-        <mc:AlternateContent xmlns:mc="http://schemas.openxmlformats.org/markup-compatibility/2006">
-          <mc:Choice xmlns:p14="http://schemas.microsoft.com/office/powerpoint/2010/main" Requires="p14">
+        <mc:AlternateContent xmlns:mc="http://schemas.openxmlformats.org/markup-compatibility/2006" xmlns:p14="http://schemas.microsoft.com/office/powerpoint/2010/main">
+          <mc:Choice Requires="p14">
             <p:contentPart p14:bwMode="auto" r:id="rId68">
               <p14:nvContentPartPr>
                 <p14:cNvPr id="41" name="Ink 40">
@@ -14643,7 +14649,7 @@
               </p14:xfrm>
             </p:contentPart>
           </mc:Choice>
-          <mc:Fallback>
+          <mc:Fallback xmlns="">
             <p:pic>
               <p:nvPicPr>
                 <p:cNvPr id="41" name="Ink 40">
@@ -14674,8 +14680,8 @@
             </p:pic>
           </mc:Fallback>
         </mc:AlternateContent>
-        <mc:AlternateContent xmlns:mc="http://schemas.openxmlformats.org/markup-compatibility/2006">
-          <mc:Choice xmlns:p14="http://schemas.microsoft.com/office/powerpoint/2010/main" Requires="p14">
+        <mc:AlternateContent xmlns:mc="http://schemas.openxmlformats.org/markup-compatibility/2006" xmlns:p14="http://schemas.microsoft.com/office/powerpoint/2010/main">
+          <mc:Choice Requires="p14">
             <p:contentPart p14:bwMode="auto" r:id="rId70">
               <p14:nvContentPartPr>
                 <p14:cNvPr id="42" name="Ink 41">
@@ -14694,7 +14700,7 @@
               </p14:xfrm>
             </p:contentPart>
           </mc:Choice>
-          <mc:Fallback>
+          <mc:Fallback xmlns="">
             <p:pic>
               <p:nvPicPr>
                 <p:cNvPr id="42" name="Ink 41">
@@ -14725,8 +14731,8 @@
             </p:pic>
           </mc:Fallback>
         </mc:AlternateContent>
-        <mc:AlternateContent xmlns:mc="http://schemas.openxmlformats.org/markup-compatibility/2006">
-          <mc:Choice xmlns:p14="http://schemas.microsoft.com/office/powerpoint/2010/main" Requires="p14">
+        <mc:AlternateContent xmlns:mc="http://schemas.openxmlformats.org/markup-compatibility/2006" xmlns:p14="http://schemas.microsoft.com/office/powerpoint/2010/main">
+          <mc:Choice Requires="p14">
             <p:contentPart p14:bwMode="auto" r:id="rId72">
               <p14:nvContentPartPr>
                 <p14:cNvPr id="43" name="Ink 42">
@@ -14745,7 +14751,7 @@
               </p14:xfrm>
             </p:contentPart>
           </mc:Choice>
-          <mc:Fallback>
+          <mc:Fallback xmlns="">
             <p:pic>
               <p:nvPicPr>
                 <p:cNvPr id="43" name="Ink 42">
@@ -14776,8 +14782,8 @@
             </p:pic>
           </mc:Fallback>
         </mc:AlternateContent>
-        <mc:AlternateContent xmlns:mc="http://schemas.openxmlformats.org/markup-compatibility/2006">
-          <mc:Choice xmlns:p14="http://schemas.microsoft.com/office/powerpoint/2010/main" Requires="p14">
+        <mc:AlternateContent xmlns:mc="http://schemas.openxmlformats.org/markup-compatibility/2006" xmlns:p14="http://schemas.microsoft.com/office/powerpoint/2010/main">
+          <mc:Choice Requires="p14">
             <p:contentPart p14:bwMode="auto" r:id="rId74">
               <p14:nvContentPartPr>
                 <p14:cNvPr id="44" name="Ink 43">
@@ -14796,7 +14802,7 @@
               </p14:xfrm>
             </p:contentPart>
           </mc:Choice>
-          <mc:Fallback>
+          <mc:Fallback xmlns="">
             <p:pic>
               <p:nvPicPr>
                 <p:cNvPr id="44" name="Ink 43">
@@ -14848,8 +14854,8 @@
             <a:chExt cx="3228840" cy="966960"/>
           </a:xfrm>
         </p:grpSpPr>
-        <mc:AlternateContent xmlns:mc="http://schemas.openxmlformats.org/markup-compatibility/2006">
-          <mc:Choice xmlns:p14="http://schemas.microsoft.com/office/powerpoint/2010/main" Requires="p14">
+        <mc:AlternateContent xmlns:mc="http://schemas.openxmlformats.org/markup-compatibility/2006" xmlns:p14="http://schemas.microsoft.com/office/powerpoint/2010/main">
+          <mc:Choice Requires="p14">
             <p:contentPart p14:bwMode="auto" r:id="rId76">
               <p14:nvContentPartPr>
                 <p14:cNvPr id="47" name="Ink 46">
@@ -14868,7 +14874,7 @@
               </p14:xfrm>
             </p:contentPart>
           </mc:Choice>
-          <mc:Fallback>
+          <mc:Fallback xmlns="">
             <p:pic>
               <p:nvPicPr>
                 <p:cNvPr id="47" name="Ink 46">
@@ -14899,8 +14905,8 @@
             </p:pic>
           </mc:Fallback>
         </mc:AlternateContent>
-        <mc:AlternateContent xmlns:mc="http://schemas.openxmlformats.org/markup-compatibility/2006">
-          <mc:Choice xmlns:p14="http://schemas.microsoft.com/office/powerpoint/2010/main" Requires="p14">
+        <mc:AlternateContent xmlns:mc="http://schemas.openxmlformats.org/markup-compatibility/2006" xmlns:p14="http://schemas.microsoft.com/office/powerpoint/2010/main">
+          <mc:Choice Requires="p14">
             <p:contentPart p14:bwMode="auto" r:id="rId78">
               <p14:nvContentPartPr>
                 <p14:cNvPr id="48" name="Ink 47">
@@ -14919,7 +14925,7 @@
               </p14:xfrm>
             </p:contentPart>
           </mc:Choice>
-          <mc:Fallback>
+          <mc:Fallback xmlns="">
             <p:pic>
               <p:nvPicPr>
                 <p:cNvPr id="48" name="Ink 47">
@@ -14950,8 +14956,8 @@
             </p:pic>
           </mc:Fallback>
         </mc:AlternateContent>
-        <mc:AlternateContent xmlns:mc="http://schemas.openxmlformats.org/markup-compatibility/2006">
-          <mc:Choice xmlns:p14="http://schemas.microsoft.com/office/powerpoint/2010/main" Requires="p14">
+        <mc:AlternateContent xmlns:mc="http://schemas.openxmlformats.org/markup-compatibility/2006" xmlns:p14="http://schemas.microsoft.com/office/powerpoint/2010/main">
+          <mc:Choice Requires="p14">
             <p:contentPart p14:bwMode="auto" r:id="rId80">
               <p14:nvContentPartPr>
                 <p14:cNvPr id="49" name="Ink 48">
@@ -14970,7 +14976,7 @@
               </p14:xfrm>
             </p:contentPart>
           </mc:Choice>
-          <mc:Fallback>
+          <mc:Fallback xmlns="">
             <p:pic>
               <p:nvPicPr>
                 <p:cNvPr id="49" name="Ink 48">
@@ -15001,8 +15007,8 @@
             </p:pic>
           </mc:Fallback>
         </mc:AlternateContent>
-        <mc:AlternateContent xmlns:mc="http://schemas.openxmlformats.org/markup-compatibility/2006">
-          <mc:Choice xmlns:p14="http://schemas.microsoft.com/office/powerpoint/2010/main" Requires="p14">
+        <mc:AlternateContent xmlns:mc="http://schemas.openxmlformats.org/markup-compatibility/2006" xmlns:p14="http://schemas.microsoft.com/office/powerpoint/2010/main">
+          <mc:Choice Requires="p14">
             <p:contentPart p14:bwMode="auto" r:id="rId82">
               <p14:nvContentPartPr>
                 <p14:cNvPr id="50" name="Ink 49">
@@ -15021,7 +15027,7 @@
               </p14:xfrm>
             </p:contentPart>
           </mc:Choice>
-          <mc:Fallback>
+          <mc:Fallback xmlns="">
             <p:pic>
               <p:nvPicPr>
                 <p:cNvPr id="50" name="Ink 49">
@@ -15052,8 +15058,8 @@
             </p:pic>
           </mc:Fallback>
         </mc:AlternateContent>
-        <mc:AlternateContent xmlns:mc="http://schemas.openxmlformats.org/markup-compatibility/2006">
-          <mc:Choice xmlns:p14="http://schemas.microsoft.com/office/powerpoint/2010/main" Requires="p14">
+        <mc:AlternateContent xmlns:mc="http://schemas.openxmlformats.org/markup-compatibility/2006" xmlns:p14="http://schemas.microsoft.com/office/powerpoint/2010/main">
+          <mc:Choice Requires="p14">
             <p:contentPart p14:bwMode="auto" r:id="rId84">
               <p14:nvContentPartPr>
                 <p14:cNvPr id="51" name="Ink 50">
@@ -15072,7 +15078,7 @@
               </p14:xfrm>
             </p:contentPart>
           </mc:Choice>
-          <mc:Fallback>
+          <mc:Fallback xmlns="">
             <p:pic>
               <p:nvPicPr>
                 <p:cNvPr id="51" name="Ink 50">
@@ -15103,8 +15109,8 @@
             </p:pic>
           </mc:Fallback>
         </mc:AlternateContent>
-        <mc:AlternateContent xmlns:mc="http://schemas.openxmlformats.org/markup-compatibility/2006">
-          <mc:Choice xmlns:p14="http://schemas.microsoft.com/office/powerpoint/2010/main" Requires="p14">
+        <mc:AlternateContent xmlns:mc="http://schemas.openxmlformats.org/markup-compatibility/2006" xmlns:p14="http://schemas.microsoft.com/office/powerpoint/2010/main">
+          <mc:Choice Requires="p14">
             <p:contentPart p14:bwMode="auto" r:id="rId86">
               <p14:nvContentPartPr>
                 <p14:cNvPr id="53" name="Ink 52">
@@ -15123,7 +15129,7 @@
               </p14:xfrm>
             </p:contentPart>
           </mc:Choice>
-          <mc:Fallback>
+          <mc:Fallback xmlns="">
             <p:pic>
               <p:nvPicPr>
                 <p:cNvPr id="53" name="Ink 52">
@@ -15154,8 +15160,8 @@
             </p:pic>
           </mc:Fallback>
         </mc:AlternateContent>
-        <mc:AlternateContent xmlns:mc="http://schemas.openxmlformats.org/markup-compatibility/2006">
-          <mc:Choice xmlns:p14="http://schemas.microsoft.com/office/powerpoint/2010/main" Requires="p14">
+        <mc:AlternateContent xmlns:mc="http://schemas.openxmlformats.org/markup-compatibility/2006" xmlns:p14="http://schemas.microsoft.com/office/powerpoint/2010/main">
+          <mc:Choice Requires="p14">
             <p:contentPart p14:bwMode="auto" r:id="rId88">
               <p14:nvContentPartPr>
                 <p14:cNvPr id="54" name="Ink 53">
@@ -15174,7 +15180,7 @@
               </p14:xfrm>
             </p:contentPart>
           </mc:Choice>
-          <mc:Fallback>
+          <mc:Fallback xmlns="">
             <p:pic>
               <p:nvPicPr>
                 <p:cNvPr id="54" name="Ink 53">
@@ -15205,8 +15211,8 @@
             </p:pic>
           </mc:Fallback>
         </mc:AlternateContent>
-        <mc:AlternateContent xmlns:mc="http://schemas.openxmlformats.org/markup-compatibility/2006">
-          <mc:Choice xmlns:p14="http://schemas.microsoft.com/office/powerpoint/2010/main" Requires="p14">
+        <mc:AlternateContent xmlns:mc="http://schemas.openxmlformats.org/markup-compatibility/2006" xmlns:p14="http://schemas.microsoft.com/office/powerpoint/2010/main">
+          <mc:Choice Requires="p14">
             <p:contentPart p14:bwMode="auto" r:id="rId90">
               <p14:nvContentPartPr>
                 <p14:cNvPr id="55" name="Ink 54">
@@ -15225,7 +15231,7 @@
               </p14:xfrm>
             </p:contentPart>
           </mc:Choice>
-          <mc:Fallback>
+          <mc:Fallback xmlns="">
             <p:pic>
               <p:nvPicPr>
                 <p:cNvPr id="55" name="Ink 54">
@@ -15256,8 +15262,8 @@
             </p:pic>
           </mc:Fallback>
         </mc:AlternateContent>
-        <mc:AlternateContent xmlns:mc="http://schemas.openxmlformats.org/markup-compatibility/2006">
-          <mc:Choice xmlns:p14="http://schemas.microsoft.com/office/powerpoint/2010/main" Requires="p14">
+        <mc:AlternateContent xmlns:mc="http://schemas.openxmlformats.org/markup-compatibility/2006" xmlns:p14="http://schemas.microsoft.com/office/powerpoint/2010/main">
+          <mc:Choice Requires="p14">
             <p:contentPart p14:bwMode="auto" r:id="rId92">
               <p14:nvContentPartPr>
                 <p14:cNvPr id="56" name="Ink 55">
@@ -15276,7 +15282,7 @@
               </p14:xfrm>
             </p:contentPart>
           </mc:Choice>
-          <mc:Fallback>
+          <mc:Fallback xmlns="">
             <p:pic>
               <p:nvPicPr>
                 <p:cNvPr id="56" name="Ink 55">
@@ -15307,8 +15313,8 @@
             </p:pic>
           </mc:Fallback>
         </mc:AlternateContent>
-        <mc:AlternateContent xmlns:mc="http://schemas.openxmlformats.org/markup-compatibility/2006">
-          <mc:Choice xmlns:p14="http://schemas.microsoft.com/office/powerpoint/2010/main" Requires="p14">
+        <mc:AlternateContent xmlns:mc="http://schemas.openxmlformats.org/markup-compatibility/2006" xmlns:p14="http://schemas.microsoft.com/office/powerpoint/2010/main">
+          <mc:Choice Requires="p14">
             <p:contentPart p14:bwMode="auto" r:id="rId94">
               <p14:nvContentPartPr>
                 <p14:cNvPr id="57" name="Ink 56">
@@ -15327,7 +15333,7 @@
               </p14:xfrm>
             </p:contentPart>
           </mc:Choice>
-          <mc:Fallback>
+          <mc:Fallback xmlns="">
             <p:pic>
               <p:nvPicPr>
                 <p:cNvPr id="57" name="Ink 56">
@@ -15358,8 +15364,8 @@
             </p:pic>
           </mc:Fallback>
         </mc:AlternateContent>
-        <mc:AlternateContent xmlns:mc="http://schemas.openxmlformats.org/markup-compatibility/2006">
-          <mc:Choice xmlns:p14="http://schemas.microsoft.com/office/powerpoint/2010/main" Requires="p14">
+        <mc:AlternateContent xmlns:mc="http://schemas.openxmlformats.org/markup-compatibility/2006" xmlns:p14="http://schemas.microsoft.com/office/powerpoint/2010/main">
+          <mc:Choice Requires="p14">
             <p:contentPart p14:bwMode="auto" r:id="rId96">
               <p14:nvContentPartPr>
                 <p14:cNvPr id="58" name="Ink 57">
@@ -15378,7 +15384,7 @@
               </p14:xfrm>
             </p:contentPart>
           </mc:Choice>
-          <mc:Fallback>
+          <mc:Fallback xmlns="">
             <p:pic>
               <p:nvPicPr>
                 <p:cNvPr id="58" name="Ink 57">
@@ -15409,8 +15415,8 @@
             </p:pic>
           </mc:Fallback>
         </mc:AlternateContent>
-        <mc:AlternateContent xmlns:mc="http://schemas.openxmlformats.org/markup-compatibility/2006">
-          <mc:Choice xmlns:p14="http://schemas.microsoft.com/office/powerpoint/2010/main" Requires="p14">
+        <mc:AlternateContent xmlns:mc="http://schemas.openxmlformats.org/markup-compatibility/2006" xmlns:p14="http://schemas.microsoft.com/office/powerpoint/2010/main">
+          <mc:Choice Requires="p14">
             <p:contentPart p14:bwMode="auto" r:id="rId98">
               <p14:nvContentPartPr>
                 <p14:cNvPr id="59" name="Ink 58">
@@ -15429,7 +15435,7 @@
               </p14:xfrm>
             </p:contentPart>
           </mc:Choice>
-          <mc:Fallback>
+          <mc:Fallback xmlns="">
             <p:pic>
               <p:nvPicPr>
                 <p:cNvPr id="59" name="Ink 58">
@@ -15460,8 +15466,8 @@
             </p:pic>
           </mc:Fallback>
         </mc:AlternateContent>
-        <mc:AlternateContent xmlns:mc="http://schemas.openxmlformats.org/markup-compatibility/2006">
-          <mc:Choice xmlns:p14="http://schemas.microsoft.com/office/powerpoint/2010/main" Requires="p14">
+        <mc:AlternateContent xmlns:mc="http://schemas.openxmlformats.org/markup-compatibility/2006" xmlns:p14="http://schemas.microsoft.com/office/powerpoint/2010/main">
+          <mc:Choice Requires="p14">
             <p:contentPart p14:bwMode="auto" r:id="rId100">
               <p14:nvContentPartPr>
                 <p14:cNvPr id="60" name="Ink 59">
@@ -15480,7 +15486,7 @@
               </p14:xfrm>
             </p:contentPart>
           </mc:Choice>
-          <mc:Fallback>
+          <mc:Fallback xmlns="">
             <p:pic>
               <p:nvPicPr>
                 <p:cNvPr id="60" name="Ink 59">
@@ -15511,8 +15517,8 @@
             </p:pic>
           </mc:Fallback>
         </mc:AlternateContent>
-        <mc:AlternateContent xmlns:mc="http://schemas.openxmlformats.org/markup-compatibility/2006">
-          <mc:Choice xmlns:p14="http://schemas.microsoft.com/office/powerpoint/2010/main" Requires="p14">
+        <mc:AlternateContent xmlns:mc="http://schemas.openxmlformats.org/markup-compatibility/2006" xmlns:p14="http://schemas.microsoft.com/office/powerpoint/2010/main">
+          <mc:Choice Requires="p14">
             <p:contentPart p14:bwMode="auto" r:id="rId102">
               <p14:nvContentPartPr>
                 <p14:cNvPr id="62" name="Ink 61">
@@ -15531,7 +15537,7 @@
               </p14:xfrm>
             </p:contentPart>
           </mc:Choice>
-          <mc:Fallback>
+          <mc:Fallback xmlns="">
             <p:pic>
               <p:nvPicPr>
                 <p:cNvPr id="62" name="Ink 61">
@@ -15562,8 +15568,8 @@
             </p:pic>
           </mc:Fallback>
         </mc:AlternateContent>
-        <mc:AlternateContent xmlns:mc="http://schemas.openxmlformats.org/markup-compatibility/2006">
-          <mc:Choice xmlns:p14="http://schemas.microsoft.com/office/powerpoint/2010/main" Requires="p14">
+        <mc:AlternateContent xmlns:mc="http://schemas.openxmlformats.org/markup-compatibility/2006" xmlns:p14="http://schemas.microsoft.com/office/powerpoint/2010/main">
+          <mc:Choice Requires="p14">
             <p:contentPart p14:bwMode="auto" r:id="rId104">
               <p14:nvContentPartPr>
                 <p14:cNvPr id="63" name="Ink 62">
@@ -15582,7 +15588,7 @@
               </p14:xfrm>
             </p:contentPart>
           </mc:Choice>
-          <mc:Fallback>
+          <mc:Fallback xmlns="">
             <p:pic>
               <p:nvPicPr>
                 <p:cNvPr id="63" name="Ink 62">
@@ -15613,8 +15619,8 @@
             </p:pic>
           </mc:Fallback>
         </mc:AlternateContent>
-        <mc:AlternateContent xmlns:mc="http://schemas.openxmlformats.org/markup-compatibility/2006">
-          <mc:Choice xmlns:p14="http://schemas.microsoft.com/office/powerpoint/2010/main" Requires="p14">
+        <mc:AlternateContent xmlns:mc="http://schemas.openxmlformats.org/markup-compatibility/2006" xmlns:p14="http://schemas.microsoft.com/office/powerpoint/2010/main">
+          <mc:Choice Requires="p14">
             <p:contentPart p14:bwMode="auto" r:id="rId106">
               <p14:nvContentPartPr>
                 <p14:cNvPr id="64" name="Ink 63">
@@ -15633,7 +15639,7 @@
               </p14:xfrm>
             </p:contentPart>
           </mc:Choice>
-          <mc:Fallback>
+          <mc:Fallback xmlns="">
             <p:pic>
               <p:nvPicPr>
                 <p:cNvPr id="64" name="Ink 63">
@@ -15664,8 +15670,8 @@
             </p:pic>
           </mc:Fallback>
         </mc:AlternateContent>
-        <mc:AlternateContent xmlns:mc="http://schemas.openxmlformats.org/markup-compatibility/2006">
-          <mc:Choice xmlns:p14="http://schemas.microsoft.com/office/powerpoint/2010/main" Requires="p14">
+        <mc:AlternateContent xmlns:mc="http://schemas.openxmlformats.org/markup-compatibility/2006" xmlns:p14="http://schemas.microsoft.com/office/powerpoint/2010/main">
+          <mc:Choice Requires="p14">
             <p:contentPart p14:bwMode="auto" r:id="rId108">
               <p14:nvContentPartPr>
                 <p14:cNvPr id="65" name="Ink 64">
@@ -15684,7 +15690,7 @@
               </p14:xfrm>
             </p:contentPart>
           </mc:Choice>
-          <mc:Fallback>
+          <mc:Fallback xmlns="">
             <p:pic>
               <p:nvPicPr>
                 <p:cNvPr id="65" name="Ink 64">
@@ -15715,8 +15721,8 @@
             </p:pic>
           </mc:Fallback>
         </mc:AlternateContent>
-        <mc:AlternateContent xmlns:mc="http://schemas.openxmlformats.org/markup-compatibility/2006">
-          <mc:Choice xmlns:p14="http://schemas.microsoft.com/office/powerpoint/2010/main" Requires="p14">
+        <mc:AlternateContent xmlns:mc="http://schemas.openxmlformats.org/markup-compatibility/2006" xmlns:p14="http://schemas.microsoft.com/office/powerpoint/2010/main">
+          <mc:Choice Requires="p14">
             <p:contentPart p14:bwMode="auto" r:id="rId110">
               <p14:nvContentPartPr>
                 <p14:cNvPr id="66" name="Ink 65">
@@ -15735,7 +15741,7 @@
               </p14:xfrm>
             </p:contentPart>
           </mc:Choice>
-          <mc:Fallback>
+          <mc:Fallback xmlns="">
             <p:pic>
               <p:nvPicPr>
                 <p:cNvPr id="66" name="Ink 65">
@@ -15766,8 +15772,8 @@
             </p:pic>
           </mc:Fallback>
         </mc:AlternateContent>
-        <mc:AlternateContent xmlns:mc="http://schemas.openxmlformats.org/markup-compatibility/2006">
-          <mc:Choice xmlns:p14="http://schemas.microsoft.com/office/powerpoint/2010/main" Requires="p14">
+        <mc:AlternateContent xmlns:mc="http://schemas.openxmlformats.org/markup-compatibility/2006" xmlns:p14="http://schemas.microsoft.com/office/powerpoint/2010/main">
+          <mc:Choice Requires="p14">
             <p:contentPart p14:bwMode="auto" r:id="rId112">
               <p14:nvContentPartPr>
                 <p14:cNvPr id="67" name="Ink 66">
@@ -15786,7 +15792,7 @@
               </p14:xfrm>
             </p:contentPart>
           </mc:Choice>
-          <mc:Fallback>
+          <mc:Fallback xmlns="">
             <p:pic>
               <p:nvPicPr>
                 <p:cNvPr id="67" name="Ink 66">
@@ -15817,8 +15823,8 @@
             </p:pic>
           </mc:Fallback>
         </mc:AlternateContent>
-        <mc:AlternateContent xmlns:mc="http://schemas.openxmlformats.org/markup-compatibility/2006">
-          <mc:Choice xmlns:p14="http://schemas.microsoft.com/office/powerpoint/2010/main" Requires="p14">
+        <mc:AlternateContent xmlns:mc="http://schemas.openxmlformats.org/markup-compatibility/2006" xmlns:p14="http://schemas.microsoft.com/office/powerpoint/2010/main">
+          <mc:Choice Requires="p14">
             <p:contentPart p14:bwMode="auto" r:id="rId114">
               <p14:nvContentPartPr>
                 <p14:cNvPr id="68" name="Ink 67">
@@ -15837,7 +15843,7 @@
               </p14:xfrm>
             </p:contentPart>
           </mc:Choice>
-          <mc:Fallback>
+          <mc:Fallback xmlns="">
             <p:pic>
               <p:nvPicPr>
                 <p:cNvPr id="68" name="Ink 67">
@@ -15868,8 +15874,8 @@
             </p:pic>
           </mc:Fallback>
         </mc:AlternateContent>
-        <mc:AlternateContent xmlns:mc="http://schemas.openxmlformats.org/markup-compatibility/2006">
-          <mc:Choice xmlns:p14="http://schemas.microsoft.com/office/powerpoint/2010/main" Requires="p14">
+        <mc:AlternateContent xmlns:mc="http://schemas.openxmlformats.org/markup-compatibility/2006" xmlns:p14="http://schemas.microsoft.com/office/powerpoint/2010/main">
+          <mc:Choice Requires="p14">
             <p:contentPart p14:bwMode="auto" r:id="rId116">
               <p14:nvContentPartPr>
                 <p14:cNvPr id="69" name="Ink 68">
@@ -15888,7 +15894,7 @@
               </p14:xfrm>
             </p:contentPart>
           </mc:Choice>
-          <mc:Fallback>
+          <mc:Fallback xmlns="">
             <p:pic>
               <p:nvPicPr>
                 <p:cNvPr id="69" name="Ink 68">
@@ -15919,8 +15925,8 @@
             </p:pic>
           </mc:Fallback>
         </mc:AlternateContent>
-        <mc:AlternateContent xmlns:mc="http://schemas.openxmlformats.org/markup-compatibility/2006">
-          <mc:Choice xmlns:p14="http://schemas.microsoft.com/office/powerpoint/2010/main" Requires="p14">
+        <mc:AlternateContent xmlns:mc="http://schemas.openxmlformats.org/markup-compatibility/2006" xmlns:p14="http://schemas.microsoft.com/office/powerpoint/2010/main">
+          <mc:Choice Requires="p14">
             <p:contentPart p14:bwMode="auto" r:id="rId118">
               <p14:nvContentPartPr>
                 <p14:cNvPr id="70" name="Ink 69">
@@ -15939,7 +15945,7 @@
               </p14:xfrm>
             </p:contentPart>
           </mc:Choice>
-          <mc:Fallback>
+          <mc:Fallback xmlns="">
             <p:pic>
               <p:nvPicPr>
                 <p:cNvPr id="70" name="Ink 69">
@@ -15991,8 +15997,8 @@
             <a:chExt cx="450000" cy="324000"/>
           </a:xfrm>
         </p:grpSpPr>
-        <mc:AlternateContent xmlns:mc="http://schemas.openxmlformats.org/markup-compatibility/2006">
-          <mc:Choice xmlns:p14="http://schemas.microsoft.com/office/powerpoint/2010/main" Requires="p14">
+        <mc:AlternateContent xmlns:mc="http://schemas.openxmlformats.org/markup-compatibility/2006" xmlns:p14="http://schemas.microsoft.com/office/powerpoint/2010/main">
+          <mc:Choice Requires="p14">
             <p:contentPart p14:bwMode="auto" r:id="rId120">
               <p14:nvContentPartPr>
                 <p14:cNvPr id="72" name="Ink 71">
@@ -16011,7 +16017,7 @@
               </p14:xfrm>
             </p:contentPart>
           </mc:Choice>
-          <mc:Fallback>
+          <mc:Fallback xmlns="">
             <p:pic>
               <p:nvPicPr>
                 <p:cNvPr id="72" name="Ink 71">
@@ -16042,8 +16048,8 @@
             </p:pic>
           </mc:Fallback>
         </mc:AlternateContent>
-        <mc:AlternateContent xmlns:mc="http://schemas.openxmlformats.org/markup-compatibility/2006">
-          <mc:Choice xmlns:p14="http://schemas.microsoft.com/office/powerpoint/2010/main" Requires="p14">
+        <mc:AlternateContent xmlns:mc="http://schemas.openxmlformats.org/markup-compatibility/2006" xmlns:p14="http://schemas.microsoft.com/office/powerpoint/2010/main">
+          <mc:Choice Requires="p14">
             <p:contentPart p14:bwMode="auto" r:id="rId122">
               <p14:nvContentPartPr>
                 <p14:cNvPr id="73" name="Ink 72">
@@ -16062,7 +16068,7 @@
               </p14:xfrm>
             </p:contentPart>
           </mc:Choice>
-          <mc:Fallback>
+          <mc:Fallback xmlns="">
             <p:pic>
               <p:nvPicPr>
                 <p:cNvPr id="73" name="Ink 72">
@@ -16093,8 +16099,8 @@
             </p:pic>
           </mc:Fallback>
         </mc:AlternateContent>
-        <mc:AlternateContent xmlns:mc="http://schemas.openxmlformats.org/markup-compatibility/2006">
-          <mc:Choice xmlns:p14="http://schemas.microsoft.com/office/powerpoint/2010/main" Requires="p14">
+        <mc:AlternateContent xmlns:mc="http://schemas.openxmlformats.org/markup-compatibility/2006" xmlns:p14="http://schemas.microsoft.com/office/powerpoint/2010/main">
+          <mc:Choice Requires="p14">
             <p:contentPart p14:bwMode="auto" r:id="rId124">
               <p14:nvContentPartPr>
                 <p14:cNvPr id="74" name="Ink 73">
@@ -16113,7 +16119,7 @@
               </p14:xfrm>
             </p:contentPart>
           </mc:Choice>
-          <mc:Fallback>
+          <mc:Fallback xmlns="">
             <p:pic>
               <p:nvPicPr>
                 <p:cNvPr id="74" name="Ink 73">
@@ -16144,8 +16150,8 @@
             </p:pic>
           </mc:Fallback>
         </mc:AlternateContent>
-        <mc:AlternateContent xmlns:mc="http://schemas.openxmlformats.org/markup-compatibility/2006">
-          <mc:Choice xmlns:p14="http://schemas.microsoft.com/office/powerpoint/2010/main" Requires="p14">
+        <mc:AlternateContent xmlns:mc="http://schemas.openxmlformats.org/markup-compatibility/2006" xmlns:p14="http://schemas.microsoft.com/office/powerpoint/2010/main">
+          <mc:Choice Requires="p14">
             <p:contentPart p14:bwMode="auto" r:id="rId126">
               <p14:nvContentPartPr>
                 <p14:cNvPr id="75" name="Ink 74">
@@ -16164,7 +16170,7 @@
               </p14:xfrm>
             </p:contentPart>
           </mc:Choice>
-          <mc:Fallback>
+          <mc:Fallback xmlns="">
             <p:pic>
               <p:nvPicPr>
                 <p:cNvPr id="75" name="Ink 74">
@@ -16195,8 +16201,8 @@
             </p:pic>
           </mc:Fallback>
         </mc:AlternateContent>
-        <mc:AlternateContent xmlns:mc="http://schemas.openxmlformats.org/markup-compatibility/2006">
-          <mc:Choice xmlns:p14="http://schemas.microsoft.com/office/powerpoint/2010/main" Requires="p14">
+        <mc:AlternateContent xmlns:mc="http://schemas.openxmlformats.org/markup-compatibility/2006" xmlns:p14="http://schemas.microsoft.com/office/powerpoint/2010/main">
+          <mc:Choice Requires="p14">
             <p:contentPart p14:bwMode="auto" r:id="rId128">
               <p14:nvContentPartPr>
                 <p14:cNvPr id="76" name="Ink 75">
@@ -16215,7 +16221,7 @@
               </p14:xfrm>
             </p:contentPart>
           </mc:Choice>
-          <mc:Fallback>
+          <mc:Fallback xmlns="">
             <p:pic>
               <p:nvPicPr>
                 <p:cNvPr id="76" name="Ink 75">
@@ -16267,8 +16273,8 @@
             <a:chExt cx="2872440" cy="810720"/>
           </a:xfrm>
         </p:grpSpPr>
-        <mc:AlternateContent xmlns:mc="http://schemas.openxmlformats.org/markup-compatibility/2006">
-          <mc:Choice xmlns:p14="http://schemas.microsoft.com/office/powerpoint/2010/main" Requires="p14">
+        <mc:AlternateContent xmlns:mc="http://schemas.openxmlformats.org/markup-compatibility/2006" xmlns:p14="http://schemas.microsoft.com/office/powerpoint/2010/main">
+          <mc:Choice Requires="p14">
             <p:contentPart p14:bwMode="auto" r:id="rId130">
               <p14:nvContentPartPr>
                 <p14:cNvPr id="78" name="Ink 77">
@@ -16287,7 +16293,7 @@
               </p14:xfrm>
             </p:contentPart>
           </mc:Choice>
-          <mc:Fallback>
+          <mc:Fallback xmlns="">
             <p:pic>
               <p:nvPicPr>
                 <p:cNvPr id="78" name="Ink 77">
@@ -16318,8 +16324,8 @@
             </p:pic>
           </mc:Fallback>
         </mc:AlternateContent>
-        <mc:AlternateContent xmlns:mc="http://schemas.openxmlformats.org/markup-compatibility/2006">
-          <mc:Choice xmlns:p14="http://schemas.microsoft.com/office/powerpoint/2010/main" Requires="p14">
+        <mc:AlternateContent xmlns:mc="http://schemas.openxmlformats.org/markup-compatibility/2006" xmlns:p14="http://schemas.microsoft.com/office/powerpoint/2010/main">
+          <mc:Choice Requires="p14">
             <p:contentPart p14:bwMode="auto" r:id="rId132">
               <p14:nvContentPartPr>
                 <p14:cNvPr id="79" name="Ink 78">
@@ -16338,7 +16344,7 @@
               </p14:xfrm>
             </p:contentPart>
           </mc:Choice>
-          <mc:Fallback>
+          <mc:Fallback xmlns="">
             <p:pic>
               <p:nvPicPr>
                 <p:cNvPr id="79" name="Ink 78">
@@ -16369,8 +16375,8 @@
             </p:pic>
           </mc:Fallback>
         </mc:AlternateContent>
-        <mc:AlternateContent xmlns:mc="http://schemas.openxmlformats.org/markup-compatibility/2006">
-          <mc:Choice xmlns:p14="http://schemas.microsoft.com/office/powerpoint/2010/main" Requires="p14">
+        <mc:AlternateContent xmlns:mc="http://schemas.openxmlformats.org/markup-compatibility/2006" xmlns:p14="http://schemas.microsoft.com/office/powerpoint/2010/main">
+          <mc:Choice Requires="p14">
             <p:contentPart p14:bwMode="auto" r:id="rId134">
               <p14:nvContentPartPr>
                 <p14:cNvPr id="80" name="Ink 79">
@@ -16389,7 +16395,7 @@
               </p14:xfrm>
             </p:contentPart>
           </mc:Choice>
-          <mc:Fallback>
+          <mc:Fallback xmlns="">
             <p:pic>
               <p:nvPicPr>
                 <p:cNvPr id="80" name="Ink 79">
@@ -16420,8 +16426,8 @@
             </p:pic>
           </mc:Fallback>
         </mc:AlternateContent>
-        <mc:AlternateContent xmlns:mc="http://schemas.openxmlformats.org/markup-compatibility/2006">
-          <mc:Choice xmlns:p14="http://schemas.microsoft.com/office/powerpoint/2010/main" Requires="p14">
+        <mc:AlternateContent xmlns:mc="http://schemas.openxmlformats.org/markup-compatibility/2006" xmlns:p14="http://schemas.microsoft.com/office/powerpoint/2010/main">
+          <mc:Choice Requires="p14">
             <p:contentPart p14:bwMode="auto" r:id="rId136">
               <p14:nvContentPartPr>
                 <p14:cNvPr id="81" name="Ink 80">
@@ -16440,7 +16446,7 @@
               </p14:xfrm>
             </p:contentPart>
           </mc:Choice>
-          <mc:Fallback>
+          <mc:Fallback xmlns="">
             <p:pic>
               <p:nvPicPr>
                 <p:cNvPr id="81" name="Ink 80">
@@ -16471,8 +16477,8 @@
             </p:pic>
           </mc:Fallback>
         </mc:AlternateContent>
-        <mc:AlternateContent xmlns:mc="http://schemas.openxmlformats.org/markup-compatibility/2006">
-          <mc:Choice xmlns:p14="http://schemas.microsoft.com/office/powerpoint/2010/main" Requires="p14">
+        <mc:AlternateContent xmlns:mc="http://schemas.openxmlformats.org/markup-compatibility/2006" xmlns:p14="http://schemas.microsoft.com/office/powerpoint/2010/main">
+          <mc:Choice Requires="p14">
             <p:contentPart p14:bwMode="auto" r:id="rId138">
               <p14:nvContentPartPr>
                 <p14:cNvPr id="82" name="Ink 81">
@@ -16491,7 +16497,7 @@
               </p14:xfrm>
             </p:contentPart>
           </mc:Choice>
-          <mc:Fallback>
+          <mc:Fallback xmlns="">
             <p:pic>
               <p:nvPicPr>
                 <p:cNvPr id="82" name="Ink 81">
@@ -16522,8 +16528,8 @@
             </p:pic>
           </mc:Fallback>
         </mc:AlternateContent>
-        <mc:AlternateContent xmlns:mc="http://schemas.openxmlformats.org/markup-compatibility/2006">
-          <mc:Choice xmlns:p14="http://schemas.microsoft.com/office/powerpoint/2010/main" Requires="p14">
+        <mc:AlternateContent xmlns:mc="http://schemas.openxmlformats.org/markup-compatibility/2006" xmlns:p14="http://schemas.microsoft.com/office/powerpoint/2010/main">
+          <mc:Choice Requires="p14">
             <p:contentPart p14:bwMode="auto" r:id="rId140">
               <p14:nvContentPartPr>
                 <p14:cNvPr id="83" name="Ink 82">
@@ -16542,7 +16548,7 @@
               </p14:xfrm>
             </p:contentPart>
           </mc:Choice>
-          <mc:Fallback>
+          <mc:Fallback xmlns="">
             <p:pic>
               <p:nvPicPr>
                 <p:cNvPr id="83" name="Ink 82">
@@ -16573,8 +16579,8 @@
             </p:pic>
           </mc:Fallback>
         </mc:AlternateContent>
-        <mc:AlternateContent xmlns:mc="http://schemas.openxmlformats.org/markup-compatibility/2006">
-          <mc:Choice xmlns:p14="http://schemas.microsoft.com/office/powerpoint/2010/main" Requires="p14">
+        <mc:AlternateContent xmlns:mc="http://schemas.openxmlformats.org/markup-compatibility/2006" xmlns:p14="http://schemas.microsoft.com/office/powerpoint/2010/main">
+          <mc:Choice Requires="p14">
             <p:contentPart p14:bwMode="auto" r:id="rId142">
               <p14:nvContentPartPr>
                 <p14:cNvPr id="84" name="Ink 83">
@@ -16593,7 +16599,7 @@
               </p14:xfrm>
             </p:contentPart>
           </mc:Choice>
-          <mc:Fallback>
+          <mc:Fallback xmlns="">
             <p:pic>
               <p:nvPicPr>
                 <p:cNvPr id="84" name="Ink 83">
@@ -16624,8 +16630,8 @@
             </p:pic>
           </mc:Fallback>
         </mc:AlternateContent>
-        <mc:AlternateContent xmlns:mc="http://schemas.openxmlformats.org/markup-compatibility/2006">
-          <mc:Choice xmlns:p14="http://schemas.microsoft.com/office/powerpoint/2010/main" Requires="p14">
+        <mc:AlternateContent xmlns:mc="http://schemas.openxmlformats.org/markup-compatibility/2006" xmlns:p14="http://schemas.microsoft.com/office/powerpoint/2010/main">
+          <mc:Choice Requires="p14">
             <p:contentPart p14:bwMode="auto" r:id="rId144">
               <p14:nvContentPartPr>
                 <p14:cNvPr id="85" name="Ink 84">
@@ -16644,7 +16650,7 @@
               </p14:xfrm>
             </p:contentPart>
           </mc:Choice>
-          <mc:Fallback>
+          <mc:Fallback xmlns="">
             <p:pic>
               <p:nvPicPr>
                 <p:cNvPr id="85" name="Ink 84">
@@ -16675,8 +16681,8 @@
             </p:pic>
           </mc:Fallback>
         </mc:AlternateContent>
-        <mc:AlternateContent xmlns:mc="http://schemas.openxmlformats.org/markup-compatibility/2006">
-          <mc:Choice xmlns:p14="http://schemas.microsoft.com/office/powerpoint/2010/main" Requires="p14">
+        <mc:AlternateContent xmlns:mc="http://schemas.openxmlformats.org/markup-compatibility/2006" xmlns:p14="http://schemas.microsoft.com/office/powerpoint/2010/main">
+          <mc:Choice Requires="p14">
             <p:contentPart p14:bwMode="auto" r:id="rId146">
               <p14:nvContentPartPr>
                 <p14:cNvPr id="86" name="Ink 85">
@@ -16695,7 +16701,7 @@
               </p14:xfrm>
             </p:contentPart>
           </mc:Choice>
-          <mc:Fallback>
+          <mc:Fallback xmlns="">
             <p:pic>
               <p:nvPicPr>
                 <p:cNvPr id="86" name="Ink 85">
@@ -16726,8 +16732,8 @@
             </p:pic>
           </mc:Fallback>
         </mc:AlternateContent>
-        <mc:AlternateContent xmlns:mc="http://schemas.openxmlformats.org/markup-compatibility/2006">
-          <mc:Choice xmlns:p14="http://schemas.microsoft.com/office/powerpoint/2010/main" Requires="p14">
+        <mc:AlternateContent xmlns:mc="http://schemas.openxmlformats.org/markup-compatibility/2006" xmlns:p14="http://schemas.microsoft.com/office/powerpoint/2010/main">
+          <mc:Choice Requires="p14">
             <p:contentPart p14:bwMode="auto" r:id="rId148">
               <p14:nvContentPartPr>
                 <p14:cNvPr id="87" name="Ink 86">
@@ -16746,7 +16752,7 @@
               </p14:xfrm>
             </p:contentPart>
           </mc:Choice>
-          <mc:Fallback>
+          <mc:Fallback xmlns="">
             <p:pic>
               <p:nvPicPr>
                 <p:cNvPr id="87" name="Ink 86">
@@ -16777,8 +16783,8 @@
             </p:pic>
           </mc:Fallback>
         </mc:AlternateContent>
-        <mc:AlternateContent xmlns:mc="http://schemas.openxmlformats.org/markup-compatibility/2006">
-          <mc:Choice xmlns:p14="http://schemas.microsoft.com/office/powerpoint/2010/main" Requires="p14">
+        <mc:AlternateContent xmlns:mc="http://schemas.openxmlformats.org/markup-compatibility/2006" xmlns:p14="http://schemas.microsoft.com/office/powerpoint/2010/main">
+          <mc:Choice Requires="p14">
             <p:contentPart p14:bwMode="auto" r:id="rId150">
               <p14:nvContentPartPr>
                 <p14:cNvPr id="88" name="Ink 87">
@@ -16797,7 +16803,7 @@
               </p14:xfrm>
             </p:contentPart>
           </mc:Choice>
-          <mc:Fallback>
+          <mc:Fallback xmlns="">
             <p:pic>
               <p:nvPicPr>
                 <p:cNvPr id="88" name="Ink 87">
@@ -16828,8 +16834,8 @@
             </p:pic>
           </mc:Fallback>
         </mc:AlternateContent>
-        <mc:AlternateContent xmlns:mc="http://schemas.openxmlformats.org/markup-compatibility/2006">
-          <mc:Choice xmlns:p14="http://schemas.microsoft.com/office/powerpoint/2010/main" Requires="p14">
+        <mc:AlternateContent xmlns:mc="http://schemas.openxmlformats.org/markup-compatibility/2006" xmlns:p14="http://schemas.microsoft.com/office/powerpoint/2010/main">
+          <mc:Choice Requires="p14">
             <p:contentPart p14:bwMode="auto" r:id="rId152">
               <p14:nvContentPartPr>
                 <p14:cNvPr id="89" name="Ink 88">
@@ -16848,7 +16854,7 @@
               </p14:xfrm>
             </p:contentPart>
           </mc:Choice>
-          <mc:Fallback>
+          <mc:Fallback xmlns="">
             <p:pic>
               <p:nvPicPr>
                 <p:cNvPr id="89" name="Ink 88">
@@ -16879,8 +16885,8 @@
             </p:pic>
           </mc:Fallback>
         </mc:AlternateContent>
-        <mc:AlternateContent xmlns:mc="http://schemas.openxmlformats.org/markup-compatibility/2006">
-          <mc:Choice xmlns:p14="http://schemas.microsoft.com/office/powerpoint/2010/main" Requires="p14">
+        <mc:AlternateContent xmlns:mc="http://schemas.openxmlformats.org/markup-compatibility/2006" xmlns:p14="http://schemas.microsoft.com/office/powerpoint/2010/main">
+          <mc:Choice Requires="p14">
             <p:contentPart p14:bwMode="auto" r:id="rId154">
               <p14:nvContentPartPr>
                 <p14:cNvPr id="91" name="Ink 90">
@@ -16899,7 +16905,7 @@
               </p14:xfrm>
             </p:contentPart>
           </mc:Choice>
-          <mc:Fallback>
+          <mc:Fallback xmlns="">
             <p:pic>
               <p:nvPicPr>
                 <p:cNvPr id="91" name="Ink 90">
@@ -16930,8 +16936,8 @@
             </p:pic>
           </mc:Fallback>
         </mc:AlternateContent>
-        <mc:AlternateContent xmlns:mc="http://schemas.openxmlformats.org/markup-compatibility/2006">
-          <mc:Choice xmlns:p14="http://schemas.microsoft.com/office/powerpoint/2010/main" Requires="p14">
+        <mc:AlternateContent xmlns:mc="http://schemas.openxmlformats.org/markup-compatibility/2006" xmlns:p14="http://schemas.microsoft.com/office/powerpoint/2010/main">
+          <mc:Choice Requires="p14">
             <p:contentPart p14:bwMode="auto" r:id="rId156">
               <p14:nvContentPartPr>
                 <p14:cNvPr id="92" name="Ink 91">
@@ -16950,7 +16956,7 @@
               </p14:xfrm>
             </p:contentPart>
           </mc:Choice>
-          <mc:Fallback>
+          <mc:Fallback xmlns="">
             <p:pic>
               <p:nvPicPr>
                 <p:cNvPr id="92" name="Ink 91">
@@ -16981,8 +16987,8 @@
             </p:pic>
           </mc:Fallback>
         </mc:AlternateContent>
-        <mc:AlternateContent xmlns:mc="http://schemas.openxmlformats.org/markup-compatibility/2006">
-          <mc:Choice xmlns:p14="http://schemas.microsoft.com/office/powerpoint/2010/main" Requires="p14">
+        <mc:AlternateContent xmlns:mc="http://schemas.openxmlformats.org/markup-compatibility/2006" xmlns:p14="http://schemas.microsoft.com/office/powerpoint/2010/main">
+          <mc:Choice Requires="p14">
             <p:contentPart p14:bwMode="auto" r:id="rId158">
               <p14:nvContentPartPr>
                 <p14:cNvPr id="93" name="Ink 92">
@@ -17001,7 +17007,7 @@
               </p14:xfrm>
             </p:contentPart>
           </mc:Choice>
-          <mc:Fallback>
+          <mc:Fallback xmlns="">
             <p:pic>
               <p:nvPicPr>
                 <p:cNvPr id="93" name="Ink 92">
@@ -17032,8 +17038,8 @@
             </p:pic>
           </mc:Fallback>
         </mc:AlternateContent>
-        <mc:AlternateContent xmlns:mc="http://schemas.openxmlformats.org/markup-compatibility/2006">
-          <mc:Choice xmlns:p14="http://schemas.microsoft.com/office/powerpoint/2010/main" Requires="p14">
+        <mc:AlternateContent xmlns:mc="http://schemas.openxmlformats.org/markup-compatibility/2006" xmlns:p14="http://schemas.microsoft.com/office/powerpoint/2010/main">
+          <mc:Choice Requires="p14">
             <p:contentPart p14:bwMode="auto" r:id="rId160">
               <p14:nvContentPartPr>
                 <p14:cNvPr id="94" name="Ink 93">
@@ -17052,7 +17058,7 @@
               </p14:xfrm>
             </p:contentPart>
           </mc:Choice>
-          <mc:Fallback>
+          <mc:Fallback xmlns="">
             <p:pic>
               <p:nvPicPr>
                 <p:cNvPr id="94" name="Ink 93">
@@ -17083,8 +17089,8 @@
             </p:pic>
           </mc:Fallback>
         </mc:AlternateContent>
-        <mc:AlternateContent xmlns:mc="http://schemas.openxmlformats.org/markup-compatibility/2006">
-          <mc:Choice xmlns:p14="http://schemas.microsoft.com/office/powerpoint/2010/main" Requires="p14">
+        <mc:AlternateContent xmlns:mc="http://schemas.openxmlformats.org/markup-compatibility/2006" xmlns:p14="http://schemas.microsoft.com/office/powerpoint/2010/main">
+          <mc:Choice Requires="p14">
             <p:contentPart p14:bwMode="auto" r:id="rId162">
               <p14:nvContentPartPr>
                 <p14:cNvPr id="95" name="Ink 94">
@@ -17103,7 +17109,7 @@
               </p14:xfrm>
             </p:contentPart>
           </mc:Choice>
-          <mc:Fallback>
+          <mc:Fallback xmlns="">
             <p:pic>
               <p:nvPicPr>
                 <p:cNvPr id="95" name="Ink 94">
@@ -17134,8 +17140,8 @@
             </p:pic>
           </mc:Fallback>
         </mc:AlternateContent>
-        <mc:AlternateContent xmlns:mc="http://schemas.openxmlformats.org/markup-compatibility/2006">
-          <mc:Choice xmlns:p14="http://schemas.microsoft.com/office/powerpoint/2010/main" Requires="p14">
+        <mc:AlternateContent xmlns:mc="http://schemas.openxmlformats.org/markup-compatibility/2006" xmlns:p14="http://schemas.microsoft.com/office/powerpoint/2010/main">
+          <mc:Choice Requires="p14">
             <p:contentPart p14:bwMode="auto" r:id="rId164">
               <p14:nvContentPartPr>
                 <p14:cNvPr id="96" name="Ink 95">
@@ -17154,7 +17160,7 @@
               </p14:xfrm>
             </p:contentPart>
           </mc:Choice>
-          <mc:Fallback>
+          <mc:Fallback xmlns="">
             <p:pic>
               <p:nvPicPr>
                 <p:cNvPr id="96" name="Ink 95">
@@ -17185,8 +17191,8 @@
             </p:pic>
           </mc:Fallback>
         </mc:AlternateContent>
-        <mc:AlternateContent xmlns:mc="http://schemas.openxmlformats.org/markup-compatibility/2006">
-          <mc:Choice xmlns:p14="http://schemas.microsoft.com/office/powerpoint/2010/main" Requires="p14">
+        <mc:AlternateContent xmlns:mc="http://schemas.openxmlformats.org/markup-compatibility/2006" xmlns:p14="http://schemas.microsoft.com/office/powerpoint/2010/main">
+          <mc:Choice Requires="p14">
             <p:contentPart p14:bwMode="auto" r:id="rId166">
               <p14:nvContentPartPr>
                 <p14:cNvPr id="97" name="Ink 96">
@@ -17205,7 +17211,7 @@
               </p14:xfrm>
             </p:contentPart>
           </mc:Choice>
-          <mc:Fallback>
+          <mc:Fallback xmlns="">
             <p:pic>
               <p:nvPicPr>
                 <p:cNvPr id="97" name="Ink 96">
@@ -17236,8 +17242,8 @@
             </p:pic>
           </mc:Fallback>
         </mc:AlternateContent>
-        <mc:AlternateContent xmlns:mc="http://schemas.openxmlformats.org/markup-compatibility/2006">
-          <mc:Choice xmlns:p14="http://schemas.microsoft.com/office/powerpoint/2010/main" Requires="p14">
+        <mc:AlternateContent xmlns:mc="http://schemas.openxmlformats.org/markup-compatibility/2006" xmlns:p14="http://schemas.microsoft.com/office/powerpoint/2010/main">
+          <mc:Choice Requires="p14">
             <p:contentPart p14:bwMode="auto" r:id="rId168">
               <p14:nvContentPartPr>
                 <p14:cNvPr id="98" name="Ink 97">
@@ -17256,7 +17262,7 @@
               </p14:xfrm>
             </p:contentPart>
           </mc:Choice>
-          <mc:Fallback>
+          <mc:Fallback xmlns="">
             <p:pic>
               <p:nvPicPr>
                 <p:cNvPr id="98" name="Ink 97">
@@ -17287,8 +17293,8 @@
             </p:pic>
           </mc:Fallback>
         </mc:AlternateContent>
-        <mc:AlternateContent xmlns:mc="http://schemas.openxmlformats.org/markup-compatibility/2006">
-          <mc:Choice xmlns:p14="http://schemas.microsoft.com/office/powerpoint/2010/main" Requires="p14">
+        <mc:AlternateContent xmlns:mc="http://schemas.openxmlformats.org/markup-compatibility/2006" xmlns:p14="http://schemas.microsoft.com/office/powerpoint/2010/main">
+          <mc:Choice Requires="p14">
             <p:contentPart p14:bwMode="auto" r:id="rId170">
               <p14:nvContentPartPr>
                 <p14:cNvPr id="99" name="Ink 98">
@@ -17307,7 +17313,7 @@
               </p14:xfrm>
             </p:contentPart>
           </mc:Choice>
-          <mc:Fallback>
+          <mc:Fallback xmlns="">
             <p:pic>
               <p:nvPicPr>
                 <p:cNvPr id="99" name="Ink 98">
@@ -17338,8 +17344,8 @@
             </p:pic>
           </mc:Fallback>
         </mc:AlternateContent>
-        <mc:AlternateContent xmlns:mc="http://schemas.openxmlformats.org/markup-compatibility/2006">
-          <mc:Choice xmlns:p14="http://schemas.microsoft.com/office/powerpoint/2010/main" Requires="p14">
+        <mc:AlternateContent xmlns:mc="http://schemas.openxmlformats.org/markup-compatibility/2006" xmlns:p14="http://schemas.microsoft.com/office/powerpoint/2010/main">
+          <mc:Choice Requires="p14">
             <p:contentPart p14:bwMode="auto" r:id="rId172">
               <p14:nvContentPartPr>
                 <p14:cNvPr id="100" name="Ink 99">
@@ -17358,7 +17364,7 @@
               </p14:xfrm>
             </p:contentPart>
           </mc:Choice>
-          <mc:Fallback>
+          <mc:Fallback xmlns="">
             <p:pic>
               <p:nvPicPr>
                 <p:cNvPr id="100" name="Ink 99">
@@ -17389,8 +17395,8 @@
             </p:pic>
           </mc:Fallback>
         </mc:AlternateContent>
-        <mc:AlternateContent xmlns:mc="http://schemas.openxmlformats.org/markup-compatibility/2006">
-          <mc:Choice xmlns:p14="http://schemas.microsoft.com/office/powerpoint/2010/main" Requires="p14">
+        <mc:AlternateContent xmlns:mc="http://schemas.openxmlformats.org/markup-compatibility/2006" xmlns:p14="http://schemas.microsoft.com/office/powerpoint/2010/main">
+          <mc:Choice Requires="p14">
             <p:contentPart p14:bwMode="auto" r:id="rId174">
               <p14:nvContentPartPr>
                 <p14:cNvPr id="101" name="Ink 100">
@@ -17409,7 +17415,7 @@
               </p14:xfrm>
             </p:contentPart>
           </mc:Choice>
-          <mc:Fallback>
+          <mc:Fallback xmlns="">
             <p:pic>
               <p:nvPicPr>
                 <p:cNvPr id="101" name="Ink 100">
@@ -17440,8 +17446,8 @@
             </p:pic>
           </mc:Fallback>
         </mc:AlternateContent>
-        <mc:AlternateContent xmlns:mc="http://schemas.openxmlformats.org/markup-compatibility/2006">
-          <mc:Choice xmlns:p14="http://schemas.microsoft.com/office/powerpoint/2010/main" Requires="p14">
+        <mc:AlternateContent xmlns:mc="http://schemas.openxmlformats.org/markup-compatibility/2006" xmlns:p14="http://schemas.microsoft.com/office/powerpoint/2010/main">
+          <mc:Choice Requires="p14">
             <p:contentPart p14:bwMode="auto" r:id="rId176">
               <p14:nvContentPartPr>
                 <p14:cNvPr id="102" name="Ink 101">
@@ -17460,7 +17466,7 @@
               </p14:xfrm>
             </p:contentPart>
           </mc:Choice>
-          <mc:Fallback>
+          <mc:Fallback xmlns="">
             <p:pic>
               <p:nvPicPr>
                 <p:cNvPr id="102" name="Ink 101">
@@ -17491,8 +17497,8 @@
             </p:pic>
           </mc:Fallback>
         </mc:AlternateContent>
-        <mc:AlternateContent xmlns:mc="http://schemas.openxmlformats.org/markup-compatibility/2006">
-          <mc:Choice xmlns:p14="http://schemas.microsoft.com/office/powerpoint/2010/main" Requires="p14">
+        <mc:AlternateContent xmlns:mc="http://schemas.openxmlformats.org/markup-compatibility/2006" xmlns:p14="http://schemas.microsoft.com/office/powerpoint/2010/main">
+          <mc:Choice Requires="p14">
             <p:contentPart p14:bwMode="auto" r:id="rId178">
               <p14:nvContentPartPr>
                 <p14:cNvPr id="103" name="Ink 102">
@@ -17511,7 +17517,7 @@
               </p14:xfrm>
             </p:contentPart>
           </mc:Choice>
-          <mc:Fallback>
+          <mc:Fallback xmlns="">
             <p:pic>
               <p:nvPicPr>
                 <p:cNvPr id="103" name="Ink 102">
@@ -17542,8 +17548,8 @@
             </p:pic>
           </mc:Fallback>
         </mc:AlternateContent>
-        <mc:AlternateContent xmlns:mc="http://schemas.openxmlformats.org/markup-compatibility/2006">
-          <mc:Choice xmlns:p14="http://schemas.microsoft.com/office/powerpoint/2010/main" Requires="p14">
+        <mc:AlternateContent xmlns:mc="http://schemas.openxmlformats.org/markup-compatibility/2006" xmlns:p14="http://schemas.microsoft.com/office/powerpoint/2010/main">
+          <mc:Choice Requires="p14">
             <p:contentPart p14:bwMode="auto" r:id="rId180">
               <p14:nvContentPartPr>
                 <p14:cNvPr id="104" name="Ink 103">
@@ -17562,7 +17568,7 @@
               </p14:xfrm>
             </p:contentPart>
           </mc:Choice>
-          <mc:Fallback>
+          <mc:Fallback xmlns="">
             <p:pic>
               <p:nvPicPr>
                 <p:cNvPr id="104" name="Ink 103">
@@ -17593,8 +17599,8 @@
             </p:pic>
           </mc:Fallback>
         </mc:AlternateContent>
-        <mc:AlternateContent xmlns:mc="http://schemas.openxmlformats.org/markup-compatibility/2006">
-          <mc:Choice xmlns:p14="http://schemas.microsoft.com/office/powerpoint/2010/main" Requires="p14">
+        <mc:AlternateContent xmlns:mc="http://schemas.openxmlformats.org/markup-compatibility/2006" xmlns:p14="http://schemas.microsoft.com/office/powerpoint/2010/main">
+          <mc:Choice Requires="p14">
             <p:contentPart p14:bwMode="auto" r:id="rId182">
               <p14:nvContentPartPr>
                 <p14:cNvPr id="105" name="Ink 104">
@@ -17613,7 +17619,7 @@
               </p14:xfrm>
             </p:contentPart>
           </mc:Choice>
-          <mc:Fallback>
+          <mc:Fallback xmlns="">
             <p:pic>
               <p:nvPicPr>
                 <p:cNvPr id="105" name="Ink 104">
@@ -17644,8 +17650,8 @@
             </p:pic>
           </mc:Fallback>
         </mc:AlternateContent>
-        <mc:AlternateContent xmlns:mc="http://schemas.openxmlformats.org/markup-compatibility/2006">
-          <mc:Choice xmlns:p14="http://schemas.microsoft.com/office/powerpoint/2010/main" Requires="p14">
+        <mc:AlternateContent xmlns:mc="http://schemas.openxmlformats.org/markup-compatibility/2006" xmlns:p14="http://schemas.microsoft.com/office/powerpoint/2010/main">
+          <mc:Choice Requires="p14">
             <p:contentPart p14:bwMode="auto" r:id="rId184">
               <p14:nvContentPartPr>
                 <p14:cNvPr id="106" name="Ink 105">
@@ -17664,7 +17670,7 @@
               </p14:xfrm>
             </p:contentPart>
           </mc:Choice>
-          <mc:Fallback>
+          <mc:Fallback xmlns="">
             <p:pic>
               <p:nvPicPr>
                 <p:cNvPr id="106" name="Ink 105">
@@ -17695,8 +17701,8 @@
             </p:pic>
           </mc:Fallback>
         </mc:AlternateContent>
-        <mc:AlternateContent xmlns:mc="http://schemas.openxmlformats.org/markup-compatibility/2006">
-          <mc:Choice xmlns:p14="http://schemas.microsoft.com/office/powerpoint/2010/main" Requires="p14">
+        <mc:AlternateContent xmlns:mc="http://schemas.openxmlformats.org/markup-compatibility/2006" xmlns:p14="http://schemas.microsoft.com/office/powerpoint/2010/main">
+          <mc:Choice Requires="p14">
             <p:contentPart p14:bwMode="auto" r:id="rId186">
               <p14:nvContentPartPr>
                 <p14:cNvPr id="107" name="Ink 106">
@@ -17715,7 +17721,7 @@
               </p14:xfrm>
             </p:contentPart>
           </mc:Choice>
-          <mc:Fallback>
+          <mc:Fallback xmlns="">
             <p:pic>
               <p:nvPicPr>
                 <p:cNvPr id="107" name="Ink 106">
@@ -17746,8 +17752,8 @@
             </p:pic>
           </mc:Fallback>
         </mc:AlternateContent>
-        <mc:AlternateContent xmlns:mc="http://schemas.openxmlformats.org/markup-compatibility/2006">
-          <mc:Choice xmlns:p14="http://schemas.microsoft.com/office/powerpoint/2010/main" Requires="p14">
+        <mc:AlternateContent xmlns:mc="http://schemas.openxmlformats.org/markup-compatibility/2006" xmlns:p14="http://schemas.microsoft.com/office/powerpoint/2010/main">
+          <mc:Choice Requires="p14">
             <p:contentPart p14:bwMode="auto" r:id="rId188">
               <p14:nvContentPartPr>
                 <p14:cNvPr id="108" name="Ink 107">
@@ -17766,7 +17772,7 @@
               </p14:xfrm>
             </p:contentPart>
           </mc:Choice>
-          <mc:Fallback>
+          <mc:Fallback xmlns="">
             <p:pic>
               <p:nvPicPr>
                 <p:cNvPr id="108" name="Ink 107">
@@ -17797,8 +17803,8 @@
             </p:pic>
           </mc:Fallback>
         </mc:AlternateContent>
-        <mc:AlternateContent xmlns:mc="http://schemas.openxmlformats.org/markup-compatibility/2006">
-          <mc:Choice xmlns:p14="http://schemas.microsoft.com/office/powerpoint/2010/main" Requires="p14">
+        <mc:AlternateContent xmlns:mc="http://schemas.openxmlformats.org/markup-compatibility/2006" xmlns:p14="http://schemas.microsoft.com/office/powerpoint/2010/main">
+          <mc:Choice Requires="p14">
             <p:contentPart p14:bwMode="auto" r:id="rId190">
               <p14:nvContentPartPr>
                 <p14:cNvPr id="109" name="Ink 108">
@@ -17817,7 +17823,7 @@
               </p14:xfrm>
             </p:contentPart>
           </mc:Choice>
-          <mc:Fallback>
+          <mc:Fallback xmlns="">
             <p:pic>
               <p:nvPicPr>
                 <p:cNvPr id="109" name="Ink 108">
@@ -17848,8 +17854,8 @@
             </p:pic>
           </mc:Fallback>
         </mc:AlternateContent>
-        <mc:AlternateContent xmlns:mc="http://schemas.openxmlformats.org/markup-compatibility/2006">
-          <mc:Choice xmlns:p14="http://schemas.microsoft.com/office/powerpoint/2010/main" Requires="p14">
+        <mc:AlternateContent xmlns:mc="http://schemas.openxmlformats.org/markup-compatibility/2006" xmlns:p14="http://schemas.microsoft.com/office/powerpoint/2010/main">
+          <mc:Choice Requires="p14">
             <p:contentPart p14:bwMode="auto" r:id="rId192">
               <p14:nvContentPartPr>
                 <p14:cNvPr id="110" name="Ink 109">
@@ -17868,7 +17874,7 @@
               </p14:xfrm>
             </p:contentPart>
           </mc:Choice>
-          <mc:Fallback>
+          <mc:Fallback xmlns="">
             <p:pic>
               <p:nvPicPr>
                 <p:cNvPr id="110" name="Ink 109">
@@ -17904,6 +17910,83 @@
     <p:extLst>
       <p:ext uri="{BB962C8B-B14F-4D97-AF65-F5344CB8AC3E}">
         <p14:creationId xmlns:p14="http://schemas.microsoft.com/office/powerpoint/2010/main" val="1216533798"/>
+      </p:ext>
+    </p:extLst>
+  </p:cSld>
+  <p:clrMapOvr>
+    <a:masterClrMapping/>
+  </p:clrMapOvr>
+</p:sld>
+</file>
+
+<file path=ppt/slides/slide4.xml><?xml version="1.0" encoding="utf-8"?>
+<p:sld xmlns:a="http://schemas.openxmlformats.org/drawingml/2006/main" xmlns:r="http://schemas.openxmlformats.org/officeDocument/2006/relationships" xmlns:p="http://schemas.openxmlformats.org/presentationml/2006/main">
+  <p:cSld>
+    <p:spTree>
+      <p:nvGrpSpPr>
+        <p:cNvPr id="1" name=""/>
+        <p:cNvGrpSpPr/>
+        <p:nvPr/>
+      </p:nvGrpSpPr>
+      <p:grpSpPr>
+        <a:xfrm>
+          <a:off x="0" y="0"/>
+          <a:ext cx="0" cy="0"/>
+          <a:chOff x="0" y="0"/>
+          <a:chExt cx="0" cy="0"/>
+        </a:xfrm>
+      </p:grpSpPr>
+      <p:sp>
+        <p:nvSpPr>
+          <p:cNvPr id="3" name="Content Placeholder 2">
+            <a:extLst>
+              <a:ext uri="{FF2B5EF4-FFF2-40B4-BE49-F238E27FC236}">
+                <a16:creationId xmlns:a16="http://schemas.microsoft.com/office/drawing/2014/main" id="{E6E5014D-ECE7-428B-B6B2-C80CE6E5B26D}"/>
+              </a:ext>
+            </a:extLst>
+          </p:cNvPr>
+          <p:cNvSpPr>
+            <a:spLocks noGrp="1"/>
+          </p:cNvSpPr>
+          <p:nvPr>
+            <p:ph idx="1"/>
+          </p:nvPr>
+        </p:nvSpPr>
+        <p:spPr>
+          <a:xfrm>
+            <a:off x="838200" y="796413"/>
+            <a:ext cx="10515600" cy="5380550"/>
+          </a:xfrm>
+        </p:spPr>
+        <p:txBody>
+          <a:bodyPr>
+            <a:normAutofit/>
+          </a:bodyPr>
+          <a:lstStyle/>
+          <a:p>
+            <a:r>
+              <a:rPr lang="en-US" sz="3200" dirty="0"/>
+              <a:t>Note: The textbook does not directly address recursive problem transformation. The closest it comes to this is when it makes the following statement in section 1.7.1:</a:t>
+            </a:r>
+          </a:p>
+          <a:p>
+            <a:endParaRPr lang="en-US" sz="3200" dirty="0"/>
+          </a:p>
+          <a:p>
+            <a:pPr marL="457200" lvl="1" indent="0">
+              <a:buNone/>
+            </a:pPr>
+            <a:r>
+              <a:rPr lang="en-US" sz="2800" dirty="0"/>
+              <a:t>“The recursive function may have information flow for more than one parameter. For example, a recursive function that sums the values in an array recursively may pass the array itself and the index through the recursive call in the winding phase and returns back the summed value so far in the unwinding phase.”</a:t>
+            </a:r>
+          </a:p>
+        </p:txBody>
+      </p:sp>
+    </p:spTree>
+    <p:extLst>
+      <p:ext uri="{BB962C8B-B14F-4D97-AF65-F5344CB8AC3E}">
+        <p14:creationId xmlns:p14="http://schemas.microsoft.com/office/powerpoint/2010/main" val="621690894"/>
       </p:ext>
     </p:extLst>
   </p:cSld>
